--- a/基盤C_2021夏/mutation1.pptx
+++ b/基盤C_2021夏/mutation1.pptx
@@ -7,6 +7,9 @@
   <p:sldIdLst>
     <p:sldId id="256" r:id="rId2"/>
     <p:sldId id="258" r:id="rId3"/>
+    <p:sldId id="259" r:id="rId4"/>
+    <p:sldId id="260" r:id="rId5"/>
+    <p:sldId id="261" r:id="rId6"/>
   </p:sldIdLst>
   <p:sldSz cx="12192000" cy="6858000"/>
   <p:notesSz cx="6858000" cy="9144000"/>
@@ -105,6 +108,11 @@
       </a:defRPr>
     </a:lvl9pPr>
   </p:defaultTextStyle>
+  <p:extLst>
+    <p:ext uri="{EFAFB233-063F-42B5-8137-9DF3F51BA10A}">
+      <p15:sldGuideLst xmlns:p15="http://schemas.microsoft.com/office/powerpoint/2012/main"/>
+    </p:ext>
+  </p:extLst>
 </p:presentation>
 </file>
 
@@ -239,7 +247,7 @@
           <a:p>
             <a:fld id="{464BBD34-345B-4A5B-9A1E-475BAD11D6EB}" type="datetimeFigureOut">
               <a:rPr kumimoji="1" lang="ja-JP" altLang="en-US" smtClean="0"/>
-              <a:t>2021/8/7</a:t>
+              <a:t>2021/8/8</a:t>
             </a:fld>
             <a:endParaRPr kumimoji="1" lang="ja-JP" altLang="en-US"/>
           </a:p>
@@ -441,7 +449,7 @@
           <a:p>
             <a:fld id="{464BBD34-345B-4A5B-9A1E-475BAD11D6EB}" type="datetimeFigureOut">
               <a:rPr kumimoji="1" lang="ja-JP" altLang="en-US" smtClean="0"/>
-              <a:t>2021/8/7</a:t>
+              <a:t>2021/8/8</a:t>
             </a:fld>
             <a:endParaRPr kumimoji="1" lang="ja-JP" altLang="en-US"/>
           </a:p>
@@ -653,7 +661,7 @@
           <a:p>
             <a:fld id="{464BBD34-345B-4A5B-9A1E-475BAD11D6EB}" type="datetimeFigureOut">
               <a:rPr kumimoji="1" lang="ja-JP" altLang="en-US" smtClean="0"/>
-              <a:t>2021/8/7</a:t>
+              <a:t>2021/8/8</a:t>
             </a:fld>
             <a:endParaRPr kumimoji="1" lang="ja-JP" altLang="en-US"/>
           </a:p>
@@ -855,7 +863,7 @@
           <a:p>
             <a:fld id="{464BBD34-345B-4A5B-9A1E-475BAD11D6EB}" type="datetimeFigureOut">
               <a:rPr kumimoji="1" lang="ja-JP" altLang="en-US" smtClean="0"/>
-              <a:t>2021/8/7</a:t>
+              <a:t>2021/8/8</a:t>
             </a:fld>
             <a:endParaRPr kumimoji="1" lang="ja-JP" altLang="en-US"/>
           </a:p>
@@ -1101,7 +1109,7 @@
           <a:p>
             <a:fld id="{464BBD34-345B-4A5B-9A1E-475BAD11D6EB}" type="datetimeFigureOut">
               <a:rPr kumimoji="1" lang="ja-JP" altLang="en-US" smtClean="0"/>
-              <a:t>2021/8/7</a:t>
+              <a:t>2021/8/8</a:t>
             </a:fld>
             <a:endParaRPr kumimoji="1" lang="ja-JP" altLang="en-US"/>
           </a:p>
@@ -1397,7 +1405,7 @@
           <a:p>
             <a:fld id="{464BBD34-345B-4A5B-9A1E-475BAD11D6EB}" type="datetimeFigureOut">
               <a:rPr kumimoji="1" lang="ja-JP" altLang="en-US" smtClean="0"/>
-              <a:t>2021/8/7</a:t>
+              <a:t>2021/8/8</a:t>
             </a:fld>
             <a:endParaRPr kumimoji="1" lang="ja-JP" altLang="en-US"/>
           </a:p>
@@ -1828,7 +1836,7 @@
           <a:p>
             <a:fld id="{464BBD34-345B-4A5B-9A1E-475BAD11D6EB}" type="datetimeFigureOut">
               <a:rPr kumimoji="1" lang="ja-JP" altLang="en-US" smtClean="0"/>
-              <a:t>2021/8/7</a:t>
+              <a:t>2021/8/8</a:t>
             </a:fld>
             <a:endParaRPr kumimoji="1" lang="ja-JP" altLang="en-US"/>
           </a:p>
@@ -1946,7 +1954,7 @@
           <a:p>
             <a:fld id="{464BBD34-345B-4A5B-9A1E-475BAD11D6EB}" type="datetimeFigureOut">
               <a:rPr kumimoji="1" lang="ja-JP" altLang="en-US" smtClean="0"/>
-              <a:t>2021/8/7</a:t>
+              <a:t>2021/8/8</a:t>
             </a:fld>
             <a:endParaRPr kumimoji="1" lang="ja-JP" altLang="en-US"/>
           </a:p>
@@ -2041,7 +2049,7 @@
           <a:p>
             <a:fld id="{464BBD34-345B-4A5B-9A1E-475BAD11D6EB}" type="datetimeFigureOut">
               <a:rPr kumimoji="1" lang="ja-JP" altLang="en-US" smtClean="0"/>
-              <a:t>2021/8/7</a:t>
+              <a:t>2021/8/8</a:t>
             </a:fld>
             <a:endParaRPr kumimoji="1" lang="ja-JP" altLang="en-US"/>
           </a:p>
@@ -2350,7 +2358,7 @@
           <a:p>
             <a:fld id="{464BBD34-345B-4A5B-9A1E-475BAD11D6EB}" type="datetimeFigureOut">
               <a:rPr kumimoji="1" lang="ja-JP" altLang="en-US" smtClean="0"/>
-              <a:t>2021/8/7</a:t>
+              <a:t>2021/8/8</a:t>
             </a:fld>
             <a:endParaRPr kumimoji="1" lang="ja-JP" altLang="en-US"/>
           </a:p>
@@ -2603,7 +2611,7 @@
           <a:p>
             <a:fld id="{464BBD34-345B-4A5B-9A1E-475BAD11D6EB}" type="datetimeFigureOut">
               <a:rPr kumimoji="1" lang="ja-JP" altLang="en-US" smtClean="0"/>
-              <a:t>2021/8/7</a:t>
+              <a:t>2021/8/8</a:t>
             </a:fld>
             <a:endParaRPr kumimoji="1" lang="ja-JP" altLang="en-US"/>
           </a:p>
@@ -2848,7 +2856,7 @@
           <a:p>
             <a:fld id="{464BBD34-345B-4A5B-9A1E-475BAD11D6EB}" type="datetimeFigureOut">
               <a:rPr kumimoji="1" lang="ja-JP" altLang="en-US" smtClean="0"/>
-              <a:t>2021/8/7</a:t>
+              <a:t>2021/8/8</a:t>
             </a:fld>
             <a:endParaRPr kumimoji="1" lang="ja-JP" altLang="en-US"/>
           </a:p>
@@ -7974,6 +7982,3749 @@
 </p:sld>
 </file>
 
+<file path=ppt/slides/slide3.xml><?xml version="1.0" encoding="utf-8"?>
+<p:sld xmlns:a="http://schemas.openxmlformats.org/drawingml/2006/main" xmlns:r="http://schemas.openxmlformats.org/officeDocument/2006/relationships" xmlns:p="http://schemas.openxmlformats.org/presentationml/2006/main">
+  <p:cSld>
+    <p:spTree>
+      <p:nvGrpSpPr>
+        <p:cNvPr id="1" name=""/>
+        <p:cNvGrpSpPr/>
+        <p:nvPr/>
+      </p:nvGrpSpPr>
+      <p:grpSpPr>
+        <a:xfrm>
+          <a:off x="0" y="0"/>
+          <a:ext cx="0" cy="0"/>
+          <a:chOff x="0" y="0"/>
+          <a:chExt cx="0" cy="0"/>
+        </a:xfrm>
+      </p:grpSpPr>
+      <p:grpSp>
+        <p:nvGrpSpPr>
+          <p:cNvPr id="17" name="グループ化 16"/>
+          <p:cNvGrpSpPr/>
+          <p:nvPr/>
+        </p:nvGrpSpPr>
+        <p:grpSpPr>
+          <a:xfrm>
+            <a:off x="3772988" y="1342236"/>
+            <a:ext cx="5257799" cy="903515"/>
+            <a:chOff x="2758438" y="1793965"/>
+            <a:chExt cx="6862353" cy="1149532"/>
+          </a:xfrm>
+        </p:grpSpPr>
+        <p:sp>
+          <p:nvSpPr>
+            <p:cNvPr id="5" name="楕円 4"/>
+            <p:cNvSpPr/>
+            <p:nvPr/>
+          </p:nvSpPr>
+          <p:spPr>
+            <a:xfrm>
+              <a:off x="4652552" y="1793966"/>
+              <a:ext cx="1180011" cy="1149531"/>
+            </a:xfrm>
+            <a:prstGeom prst="ellipse">
+              <a:avLst/>
+            </a:prstGeom>
+            <a:noFill/>
+            <a:ln w="57150">
+              <a:solidFill>
+                <a:schemeClr val="tx1"/>
+              </a:solidFill>
+            </a:ln>
+          </p:spPr>
+          <p:style>
+            <a:lnRef idx="2">
+              <a:schemeClr val="accent1">
+                <a:shade val="50000"/>
+              </a:schemeClr>
+            </a:lnRef>
+            <a:fillRef idx="1">
+              <a:schemeClr val="accent1"/>
+            </a:fillRef>
+            <a:effectRef idx="0">
+              <a:schemeClr val="accent1"/>
+            </a:effectRef>
+            <a:fontRef idx="minor">
+              <a:schemeClr val="lt1"/>
+            </a:fontRef>
+          </p:style>
+          <p:txBody>
+            <a:bodyPr rot="0" spcFirstLastPara="0" vertOverflow="overflow" horzOverflow="overflow" vert="horz" wrap="square" lIns="91440" tIns="45720" rIns="91440" bIns="45720" numCol="1" spcCol="0" rtlCol="0" fromWordArt="0" anchor="ctr" anchorCtr="0" forceAA="0" compatLnSpc="1">
+              <a:prstTxWarp prst="textNoShape">
+                <a:avLst/>
+              </a:prstTxWarp>
+              <a:noAutofit/>
+            </a:bodyPr>
+            <a:lstStyle/>
+            <a:p>
+              <a:pPr algn="ctr"/>
+              <a:r>
+                <a:rPr lang="en-US" altLang="ja-JP" sz="2400" dirty="0" smtClean="0">
+                  <a:solidFill>
+                    <a:schemeClr val="tx1"/>
+                  </a:solidFill>
+                </a:rPr>
+                <a:t>2</a:t>
+              </a:r>
+              <a:endParaRPr lang="ja-JP" altLang="en-US" sz="2400" dirty="0">
+                <a:solidFill>
+                  <a:schemeClr val="tx1"/>
+                </a:solidFill>
+              </a:endParaRPr>
+            </a:p>
+          </p:txBody>
+        </p:sp>
+        <p:sp>
+          <p:nvSpPr>
+            <p:cNvPr id="6" name="楕円 5"/>
+            <p:cNvSpPr/>
+            <p:nvPr/>
+          </p:nvSpPr>
+          <p:spPr>
+            <a:xfrm>
+              <a:off x="2758438" y="1793965"/>
+              <a:ext cx="1180011" cy="1149531"/>
+            </a:xfrm>
+            <a:prstGeom prst="ellipse">
+              <a:avLst/>
+            </a:prstGeom>
+            <a:noFill/>
+            <a:ln w="57150">
+              <a:solidFill>
+                <a:schemeClr val="tx1"/>
+              </a:solidFill>
+            </a:ln>
+          </p:spPr>
+          <p:style>
+            <a:lnRef idx="2">
+              <a:schemeClr val="accent1">
+                <a:shade val="50000"/>
+              </a:schemeClr>
+            </a:lnRef>
+            <a:fillRef idx="1">
+              <a:schemeClr val="accent1"/>
+            </a:fillRef>
+            <a:effectRef idx="0">
+              <a:schemeClr val="accent1"/>
+            </a:effectRef>
+            <a:fontRef idx="minor">
+              <a:schemeClr val="lt1"/>
+            </a:fontRef>
+          </p:style>
+          <p:txBody>
+            <a:bodyPr rot="0" spcFirstLastPara="0" vertOverflow="overflow" horzOverflow="overflow" vert="horz" wrap="square" lIns="91440" tIns="45720" rIns="91440" bIns="45720" numCol="1" spcCol="0" rtlCol="0" fromWordArt="0" anchor="ctr" anchorCtr="0" forceAA="0" compatLnSpc="1">
+              <a:prstTxWarp prst="textNoShape">
+                <a:avLst/>
+              </a:prstTxWarp>
+              <a:noAutofit/>
+            </a:bodyPr>
+            <a:lstStyle/>
+            <a:p>
+              <a:pPr algn="ctr"/>
+              <a:r>
+                <a:rPr lang="en-US" altLang="ja-JP" sz="2400" dirty="0" smtClean="0">
+                  <a:solidFill>
+                    <a:schemeClr val="tx1"/>
+                  </a:solidFill>
+                </a:rPr>
+                <a:t>1</a:t>
+              </a:r>
+              <a:endParaRPr lang="ja-JP" altLang="en-US" sz="2400" dirty="0">
+                <a:solidFill>
+                  <a:schemeClr val="tx1"/>
+                </a:solidFill>
+              </a:endParaRPr>
+            </a:p>
+          </p:txBody>
+        </p:sp>
+        <p:sp>
+          <p:nvSpPr>
+            <p:cNvPr id="7" name="楕円 6"/>
+            <p:cNvSpPr/>
+            <p:nvPr/>
+          </p:nvSpPr>
+          <p:spPr>
+            <a:xfrm>
+              <a:off x="6546666" y="1793965"/>
+              <a:ext cx="1180011" cy="1149531"/>
+            </a:xfrm>
+            <a:prstGeom prst="ellipse">
+              <a:avLst/>
+            </a:prstGeom>
+            <a:noFill/>
+            <a:ln w="57150">
+              <a:solidFill>
+                <a:schemeClr val="tx1"/>
+              </a:solidFill>
+            </a:ln>
+          </p:spPr>
+          <p:style>
+            <a:lnRef idx="2">
+              <a:schemeClr val="accent1">
+                <a:shade val="50000"/>
+              </a:schemeClr>
+            </a:lnRef>
+            <a:fillRef idx="1">
+              <a:schemeClr val="accent1"/>
+            </a:fillRef>
+            <a:effectRef idx="0">
+              <a:schemeClr val="accent1"/>
+            </a:effectRef>
+            <a:fontRef idx="minor">
+              <a:schemeClr val="lt1"/>
+            </a:fontRef>
+          </p:style>
+          <p:txBody>
+            <a:bodyPr rot="0" spcFirstLastPara="0" vertOverflow="overflow" horzOverflow="overflow" vert="horz" wrap="square" lIns="91440" tIns="45720" rIns="91440" bIns="45720" numCol="1" spcCol="0" rtlCol="0" fromWordArt="0" anchor="ctr" anchorCtr="0" forceAA="0" compatLnSpc="1">
+              <a:prstTxWarp prst="textNoShape">
+                <a:avLst/>
+              </a:prstTxWarp>
+              <a:noAutofit/>
+            </a:bodyPr>
+            <a:lstStyle/>
+            <a:p>
+              <a:pPr algn="ctr"/>
+              <a:r>
+                <a:rPr lang="en-US" altLang="ja-JP" sz="2400" dirty="0" smtClean="0">
+                  <a:solidFill>
+                    <a:schemeClr val="tx1"/>
+                  </a:solidFill>
+                </a:rPr>
+                <a:t>3</a:t>
+              </a:r>
+              <a:endParaRPr lang="ja-JP" altLang="en-US" sz="2400" dirty="0">
+                <a:solidFill>
+                  <a:schemeClr val="tx1"/>
+                </a:solidFill>
+              </a:endParaRPr>
+            </a:p>
+          </p:txBody>
+        </p:sp>
+        <p:sp>
+          <p:nvSpPr>
+            <p:cNvPr id="8" name="楕円 7"/>
+            <p:cNvSpPr/>
+            <p:nvPr/>
+          </p:nvSpPr>
+          <p:spPr>
+            <a:xfrm>
+              <a:off x="8440780" y="1793965"/>
+              <a:ext cx="1180011" cy="1149531"/>
+            </a:xfrm>
+            <a:prstGeom prst="ellipse">
+              <a:avLst/>
+            </a:prstGeom>
+            <a:noFill/>
+            <a:ln w="57150">
+              <a:solidFill>
+                <a:schemeClr val="tx1"/>
+              </a:solidFill>
+            </a:ln>
+          </p:spPr>
+          <p:style>
+            <a:lnRef idx="2">
+              <a:schemeClr val="accent1">
+                <a:shade val="50000"/>
+              </a:schemeClr>
+            </a:lnRef>
+            <a:fillRef idx="1">
+              <a:schemeClr val="accent1"/>
+            </a:fillRef>
+            <a:effectRef idx="0">
+              <a:schemeClr val="accent1"/>
+            </a:effectRef>
+            <a:fontRef idx="minor">
+              <a:schemeClr val="lt1"/>
+            </a:fontRef>
+          </p:style>
+          <p:txBody>
+            <a:bodyPr rot="0" spcFirstLastPara="0" vertOverflow="overflow" horzOverflow="overflow" vert="horz" wrap="square" lIns="91440" tIns="45720" rIns="91440" bIns="45720" numCol="1" spcCol="0" rtlCol="0" fromWordArt="0" anchor="ctr" anchorCtr="0" forceAA="0" compatLnSpc="1">
+              <a:prstTxWarp prst="textNoShape">
+                <a:avLst/>
+              </a:prstTxWarp>
+              <a:noAutofit/>
+            </a:bodyPr>
+            <a:lstStyle/>
+            <a:p>
+              <a:pPr algn="ctr"/>
+              <a:r>
+                <a:rPr lang="en-US" altLang="ja-JP" sz="2400" dirty="0" smtClean="0">
+                  <a:solidFill>
+                    <a:schemeClr val="tx1"/>
+                  </a:solidFill>
+                </a:rPr>
+                <a:t>4</a:t>
+              </a:r>
+              <a:endParaRPr lang="ja-JP" altLang="en-US" sz="2400" dirty="0">
+                <a:solidFill>
+                  <a:schemeClr val="tx1"/>
+                </a:solidFill>
+              </a:endParaRPr>
+            </a:p>
+          </p:txBody>
+        </p:sp>
+        <p:cxnSp>
+          <p:nvCxnSpPr>
+            <p:cNvPr id="12" name="直線矢印コネクタ 11"/>
+            <p:cNvCxnSpPr>
+              <a:stCxn id="6" idx="6"/>
+              <a:endCxn id="5" idx="2"/>
+            </p:cNvCxnSpPr>
+            <p:nvPr/>
+          </p:nvCxnSpPr>
+          <p:spPr>
+            <a:xfrm>
+              <a:off x="3938449" y="2368731"/>
+              <a:ext cx="714103" cy="1"/>
+            </a:xfrm>
+            <a:prstGeom prst="straightConnector1">
+              <a:avLst/>
+            </a:prstGeom>
+            <a:ln w="38100">
+              <a:solidFill>
+                <a:schemeClr val="tx1"/>
+              </a:solidFill>
+              <a:tailEnd type="triangle" w="lg" len="lg"/>
+            </a:ln>
+          </p:spPr>
+          <p:style>
+            <a:lnRef idx="1">
+              <a:schemeClr val="accent1"/>
+            </a:lnRef>
+            <a:fillRef idx="0">
+              <a:schemeClr val="accent1"/>
+            </a:fillRef>
+            <a:effectRef idx="0">
+              <a:schemeClr val="accent1"/>
+            </a:effectRef>
+            <a:fontRef idx="minor">
+              <a:schemeClr val="tx1"/>
+            </a:fontRef>
+          </p:style>
+        </p:cxnSp>
+        <p:cxnSp>
+          <p:nvCxnSpPr>
+            <p:cNvPr id="13" name="直線矢印コネクタ 12"/>
+            <p:cNvCxnSpPr/>
+            <p:nvPr/>
+          </p:nvCxnSpPr>
+          <p:spPr>
+            <a:xfrm>
+              <a:off x="5832563" y="2368730"/>
+              <a:ext cx="714103" cy="1"/>
+            </a:xfrm>
+            <a:prstGeom prst="straightConnector1">
+              <a:avLst/>
+            </a:prstGeom>
+            <a:ln w="38100">
+              <a:solidFill>
+                <a:schemeClr val="tx1"/>
+              </a:solidFill>
+              <a:tailEnd type="triangle" w="lg" len="lg"/>
+            </a:ln>
+          </p:spPr>
+          <p:style>
+            <a:lnRef idx="1">
+              <a:schemeClr val="accent1"/>
+            </a:lnRef>
+            <a:fillRef idx="0">
+              <a:schemeClr val="accent1"/>
+            </a:fillRef>
+            <a:effectRef idx="0">
+              <a:schemeClr val="accent1"/>
+            </a:effectRef>
+            <a:fontRef idx="minor">
+              <a:schemeClr val="tx1"/>
+            </a:fontRef>
+          </p:style>
+        </p:cxnSp>
+        <p:cxnSp>
+          <p:nvCxnSpPr>
+            <p:cNvPr id="14" name="直線矢印コネクタ 13"/>
+            <p:cNvCxnSpPr/>
+            <p:nvPr/>
+          </p:nvCxnSpPr>
+          <p:spPr>
+            <a:xfrm>
+              <a:off x="7726677" y="2368730"/>
+              <a:ext cx="714103" cy="1"/>
+            </a:xfrm>
+            <a:prstGeom prst="straightConnector1">
+              <a:avLst/>
+            </a:prstGeom>
+            <a:ln w="38100">
+              <a:solidFill>
+                <a:schemeClr val="tx1"/>
+              </a:solidFill>
+              <a:tailEnd type="triangle" w="lg" len="lg"/>
+            </a:ln>
+          </p:spPr>
+          <p:style>
+            <a:lnRef idx="1">
+              <a:schemeClr val="accent1"/>
+            </a:lnRef>
+            <a:fillRef idx="0">
+              <a:schemeClr val="accent1"/>
+            </a:fillRef>
+            <a:effectRef idx="0">
+              <a:schemeClr val="accent1"/>
+            </a:effectRef>
+            <a:fontRef idx="minor">
+              <a:schemeClr val="tx1"/>
+            </a:fontRef>
+          </p:style>
+        </p:cxnSp>
+      </p:grpSp>
+      <p:grpSp>
+        <p:nvGrpSpPr>
+          <p:cNvPr id="4" name="グループ化 3"/>
+          <p:cNvGrpSpPr/>
+          <p:nvPr/>
+        </p:nvGrpSpPr>
+        <p:grpSpPr>
+          <a:xfrm>
+            <a:off x="7027816" y="2811082"/>
+            <a:ext cx="2002971" cy="1864447"/>
+            <a:chOff x="4408713" y="2697870"/>
+            <a:chExt cx="2002971" cy="1864447"/>
+          </a:xfrm>
+        </p:grpSpPr>
+        <p:sp>
+          <p:nvSpPr>
+            <p:cNvPr id="2" name="正方形/長方形 1"/>
+            <p:cNvSpPr/>
+            <p:nvPr/>
+          </p:nvSpPr>
+          <p:spPr>
+            <a:xfrm>
+              <a:off x="4484914" y="2697870"/>
+              <a:ext cx="1926770" cy="1778336"/>
+            </a:xfrm>
+            <a:prstGeom prst="rect">
+              <a:avLst/>
+            </a:prstGeom>
+            <a:noFill/>
+            <a:ln>
+              <a:solidFill>
+                <a:schemeClr val="tx1"/>
+              </a:solidFill>
+            </a:ln>
+          </p:spPr>
+          <p:style>
+            <a:lnRef idx="2">
+              <a:schemeClr val="accent1">
+                <a:shade val="50000"/>
+              </a:schemeClr>
+            </a:lnRef>
+            <a:fillRef idx="1">
+              <a:schemeClr val="accent1"/>
+            </a:fillRef>
+            <a:effectRef idx="0">
+              <a:schemeClr val="accent1"/>
+            </a:effectRef>
+            <a:fontRef idx="minor">
+              <a:schemeClr val="lt1"/>
+            </a:fontRef>
+          </p:style>
+          <p:txBody>
+            <a:bodyPr rtlCol="0" anchor="ctr"/>
+            <a:lstStyle/>
+            <a:p>
+              <a:pPr algn="ctr"/>
+              <a:endParaRPr kumimoji="1" lang="ja-JP" altLang="en-US"/>
+            </a:p>
+          </p:txBody>
+        </p:sp>
+        <p:sp>
+          <p:nvSpPr>
+            <p:cNvPr id="3" name="テキスト ボックス 2"/>
+            <p:cNvSpPr txBox="1"/>
+            <p:nvPr/>
+          </p:nvSpPr>
+          <p:spPr>
+            <a:xfrm>
+              <a:off x="4554582" y="2697870"/>
+              <a:ext cx="1844040" cy="584775"/>
+            </a:xfrm>
+            <a:prstGeom prst="rect">
+              <a:avLst/>
+            </a:prstGeom>
+            <a:noFill/>
+          </p:spPr>
+          <p:txBody>
+            <a:bodyPr wrap="square" rtlCol="0">
+              <a:spAutoFit/>
+            </a:bodyPr>
+            <a:lstStyle/>
+            <a:p>
+              <a:r>
+                <a:rPr kumimoji="1" lang="en-US" altLang="ja-JP" sz="3200" dirty="0" smtClean="0"/>
+                <a:t>0  1  0  0</a:t>
+              </a:r>
+              <a:endParaRPr kumimoji="1" lang="ja-JP" altLang="en-US" sz="3200" dirty="0"/>
+            </a:p>
+          </p:txBody>
+        </p:sp>
+        <p:sp>
+          <p:nvSpPr>
+            <p:cNvPr id="43" name="テキスト ボックス 42"/>
+            <p:cNvSpPr txBox="1"/>
+            <p:nvPr/>
+          </p:nvSpPr>
+          <p:spPr>
+            <a:xfrm>
+              <a:off x="4408713" y="3124427"/>
+              <a:ext cx="2002971" cy="584775"/>
+            </a:xfrm>
+            <a:prstGeom prst="rect">
+              <a:avLst/>
+            </a:prstGeom>
+            <a:noFill/>
+          </p:spPr>
+          <p:txBody>
+            <a:bodyPr wrap="square" rtlCol="0">
+              <a:spAutoFit/>
+            </a:bodyPr>
+            <a:lstStyle/>
+            <a:p>
+              <a:r>
+                <a:rPr kumimoji="1" lang="en-US" altLang="ja-JP" sz="3200" dirty="0" smtClean="0"/>
+                <a:t>-1  0  1  0</a:t>
+              </a:r>
+              <a:endParaRPr kumimoji="1" lang="ja-JP" altLang="en-US" sz="3200" dirty="0"/>
+            </a:p>
+          </p:txBody>
+        </p:sp>
+        <p:sp>
+          <p:nvSpPr>
+            <p:cNvPr id="46" name="テキスト ボックス 45"/>
+            <p:cNvSpPr txBox="1"/>
+            <p:nvPr/>
+          </p:nvSpPr>
+          <p:spPr>
+            <a:xfrm>
+              <a:off x="4567644" y="3550984"/>
+              <a:ext cx="1844040" cy="584775"/>
+            </a:xfrm>
+            <a:prstGeom prst="rect">
+              <a:avLst/>
+            </a:prstGeom>
+            <a:noFill/>
+          </p:spPr>
+          <p:txBody>
+            <a:bodyPr wrap="square" rtlCol="0">
+              <a:spAutoFit/>
+            </a:bodyPr>
+            <a:lstStyle/>
+            <a:p>
+              <a:r>
+                <a:rPr kumimoji="1" lang="en-US" altLang="ja-JP" sz="3200" dirty="0" smtClean="0"/>
+                <a:t>0 -1  0  1 </a:t>
+              </a:r>
+              <a:endParaRPr kumimoji="1" lang="ja-JP" altLang="en-US" sz="3200" dirty="0"/>
+            </a:p>
+          </p:txBody>
+        </p:sp>
+        <p:sp>
+          <p:nvSpPr>
+            <p:cNvPr id="47" name="テキスト ボックス 46"/>
+            <p:cNvSpPr txBox="1"/>
+            <p:nvPr/>
+          </p:nvSpPr>
+          <p:spPr>
+            <a:xfrm>
+              <a:off x="4554582" y="3977542"/>
+              <a:ext cx="1844040" cy="584775"/>
+            </a:xfrm>
+            <a:prstGeom prst="rect">
+              <a:avLst/>
+            </a:prstGeom>
+            <a:noFill/>
+          </p:spPr>
+          <p:txBody>
+            <a:bodyPr wrap="square" rtlCol="0">
+              <a:spAutoFit/>
+            </a:bodyPr>
+            <a:lstStyle/>
+            <a:p>
+              <a:r>
+                <a:rPr lang="en-US" altLang="ja-JP" sz="3200" dirty="0"/>
+                <a:t>0  </a:t>
+              </a:r>
+              <a:r>
+                <a:rPr lang="en-US" altLang="ja-JP" sz="3200" dirty="0" smtClean="0"/>
+                <a:t>0 -1  0</a:t>
+              </a:r>
+              <a:endParaRPr lang="ja-JP" altLang="en-US" sz="3200" dirty="0"/>
+            </a:p>
+          </p:txBody>
+        </p:sp>
+      </p:grpSp>
+      <p:grpSp>
+        <p:nvGrpSpPr>
+          <p:cNvPr id="16" name="グループ化 15"/>
+          <p:cNvGrpSpPr/>
+          <p:nvPr/>
+        </p:nvGrpSpPr>
+        <p:grpSpPr>
+          <a:xfrm>
+            <a:off x="3804556" y="2811082"/>
+            <a:ext cx="2002971" cy="1864447"/>
+            <a:chOff x="4446813" y="2697870"/>
+            <a:chExt cx="2002971" cy="1864447"/>
+          </a:xfrm>
+        </p:grpSpPr>
+        <p:sp>
+          <p:nvSpPr>
+            <p:cNvPr id="18" name="正方形/長方形 17"/>
+            <p:cNvSpPr/>
+            <p:nvPr/>
+          </p:nvSpPr>
+          <p:spPr>
+            <a:xfrm>
+              <a:off x="4484914" y="2697870"/>
+              <a:ext cx="1926770" cy="1778336"/>
+            </a:xfrm>
+            <a:prstGeom prst="rect">
+              <a:avLst/>
+            </a:prstGeom>
+            <a:noFill/>
+            <a:ln>
+              <a:solidFill>
+                <a:schemeClr val="tx1"/>
+              </a:solidFill>
+            </a:ln>
+          </p:spPr>
+          <p:style>
+            <a:lnRef idx="2">
+              <a:schemeClr val="accent1">
+                <a:shade val="50000"/>
+              </a:schemeClr>
+            </a:lnRef>
+            <a:fillRef idx="1">
+              <a:schemeClr val="accent1"/>
+            </a:fillRef>
+            <a:effectRef idx="0">
+              <a:schemeClr val="accent1"/>
+            </a:effectRef>
+            <a:fontRef idx="minor">
+              <a:schemeClr val="lt1"/>
+            </a:fontRef>
+          </p:style>
+          <p:txBody>
+            <a:bodyPr rtlCol="0" anchor="ctr"/>
+            <a:lstStyle/>
+            <a:p>
+              <a:pPr algn="ctr"/>
+              <a:endParaRPr kumimoji="1" lang="ja-JP" altLang="en-US"/>
+            </a:p>
+          </p:txBody>
+        </p:sp>
+        <p:sp>
+          <p:nvSpPr>
+            <p:cNvPr id="19" name="テキスト ボックス 18"/>
+            <p:cNvSpPr txBox="1"/>
+            <p:nvPr/>
+          </p:nvSpPr>
+          <p:spPr>
+            <a:xfrm>
+              <a:off x="4554582" y="2697870"/>
+              <a:ext cx="1844040" cy="584775"/>
+            </a:xfrm>
+            <a:prstGeom prst="rect">
+              <a:avLst/>
+            </a:prstGeom>
+            <a:noFill/>
+          </p:spPr>
+          <p:txBody>
+            <a:bodyPr wrap="square" rtlCol="0">
+              <a:spAutoFit/>
+            </a:bodyPr>
+            <a:lstStyle/>
+            <a:p>
+              <a:r>
+                <a:rPr kumimoji="1" lang="en-US" altLang="ja-JP" sz="3200" dirty="0" smtClean="0"/>
+                <a:t>0  1  0  0</a:t>
+              </a:r>
+              <a:endParaRPr kumimoji="1" lang="ja-JP" altLang="en-US" sz="3200" dirty="0"/>
+            </a:p>
+          </p:txBody>
+        </p:sp>
+        <p:sp>
+          <p:nvSpPr>
+            <p:cNvPr id="20" name="テキスト ボックス 19"/>
+            <p:cNvSpPr txBox="1"/>
+            <p:nvPr/>
+          </p:nvSpPr>
+          <p:spPr>
+            <a:xfrm>
+              <a:off x="4446813" y="3124427"/>
+              <a:ext cx="2002971" cy="584775"/>
+            </a:xfrm>
+            <a:prstGeom prst="rect">
+              <a:avLst/>
+            </a:prstGeom>
+            <a:noFill/>
+          </p:spPr>
+          <p:txBody>
+            <a:bodyPr wrap="square" rtlCol="0">
+              <a:spAutoFit/>
+            </a:bodyPr>
+            <a:lstStyle/>
+            <a:p>
+              <a:r>
+                <a:rPr lang="en-US" altLang="ja-JP" sz="3200" dirty="0"/>
+                <a:t> </a:t>
+              </a:r>
+              <a:r>
+                <a:rPr lang="en-US" altLang="ja-JP" sz="3200" dirty="0" smtClean="0"/>
+                <a:t>0</a:t>
+              </a:r>
+              <a:r>
+                <a:rPr kumimoji="1" lang="en-US" altLang="ja-JP" sz="3200" dirty="0" smtClean="0"/>
+                <a:t>  </a:t>
+              </a:r>
+              <a:r>
+                <a:rPr kumimoji="1" lang="en-US" altLang="ja-JP" sz="3200" dirty="0" smtClean="0"/>
+                <a:t>0  1  0</a:t>
+              </a:r>
+              <a:endParaRPr kumimoji="1" lang="ja-JP" altLang="en-US" sz="3200" dirty="0"/>
+            </a:p>
+          </p:txBody>
+        </p:sp>
+        <p:sp>
+          <p:nvSpPr>
+            <p:cNvPr id="21" name="テキスト ボックス 20"/>
+            <p:cNvSpPr txBox="1"/>
+            <p:nvPr/>
+          </p:nvSpPr>
+          <p:spPr>
+            <a:xfrm>
+              <a:off x="4567644" y="3550984"/>
+              <a:ext cx="1844040" cy="584775"/>
+            </a:xfrm>
+            <a:prstGeom prst="rect">
+              <a:avLst/>
+            </a:prstGeom>
+            <a:noFill/>
+          </p:spPr>
+          <p:txBody>
+            <a:bodyPr wrap="square" rtlCol="0">
+              <a:spAutoFit/>
+            </a:bodyPr>
+            <a:lstStyle/>
+            <a:p>
+              <a:r>
+                <a:rPr kumimoji="1" lang="en-US" altLang="ja-JP" sz="3200" dirty="0" smtClean="0"/>
+                <a:t>0 </a:t>
+              </a:r>
+              <a:r>
+                <a:rPr lang="en-US" altLang="ja-JP" sz="3200" dirty="0"/>
+                <a:t> </a:t>
+              </a:r>
+              <a:r>
+                <a:rPr lang="en-US" altLang="ja-JP" sz="3200" dirty="0" smtClean="0"/>
+                <a:t>0</a:t>
+              </a:r>
+              <a:r>
+                <a:rPr kumimoji="1" lang="en-US" altLang="ja-JP" sz="3200" dirty="0" smtClean="0"/>
+                <a:t>  </a:t>
+              </a:r>
+              <a:r>
+                <a:rPr kumimoji="1" lang="en-US" altLang="ja-JP" sz="3200" dirty="0" smtClean="0"/>
+                <a:t>0  1 </a:t>
+              </a:r>
+              <a:endParaRPr kumimoji="1" lang="ja-JP" altLang="en-US" sz="3200" dirty="0"/>
+            </a:p>
+          </p:txBody>
+        </p:sp>
+        <p:sp>
+          <p:nvSpPr>
+            <p:cNvPr id="22" name="テキスト ボックス 21"/>
+            <p:cNvSpPr txBox="1"/>
+            <p:nvPr/>
+          </p:nvSpPr>
+          <p:spPr>
+            <a:xfrm>
+              <a:off x="4554582" y="3977542"/>
+              <a:ext cx="1844040" cy="584775"/>
+            </a:xfrm>
+            <a:prstGeom prst="rect">
+              <a:avLst/>
+            </a:prstGeom>
+            <a:noFill/>
+          </p:spPr>
+          <p:txBody>
+            <a:bodyPr wrap="square" rtlCol="0">
+              <a:spAutoFit/>
+            </a:bodyPr>
+            <a:lstStyle/>
+            <a:p>
+              <a:r>
+                <a:rPr lang="en-US" altLang="ja-JP" sz="3200" dirty="0"/>
+                <a:t>0  </a:t>
+              </a:r>
+              <a:r>
+                <a:rPr lang="en-US" altLang="ja-JP" sz="3200" dirty="0" smtClean="0"/>
+                <a:t>0 </a:t>
+              </a:r>
+              <a:r>
+                <a:rPr lang="en-US" altLang="ja-JP" sz="3200" dirty="0" smtClean="0"/>
+                <a:t> 0  </a:t>
+              </a:r>
+              <a:r>
+                <a:rPr lang="en-US" altLang="ja-JP" sz="3200" dirty="0" smtClean="0"/>
+                <a:t>0</a:t>
+              </a:r>
+              <a:endParaRPr lang="ja-JP" altLang="en-US" sz="3200" dirty="0"/>
+            </a:p>
+          </p:txBody>
+        </p:sp>
+      </p:grpSp>
+      <p:sp>
+        <p:nvSpPr>
+          <p:cNvPr id="9" name="テキスト ボックス 8"/>
+          <p:cNvSpPr txBox="1"/>
+          <p:nvPr/>
+        </p:nvSpPr>
+        <p:spPr>
+          <a:xfrm>
+            <a:off x="3938451" y="2331863"/>
+            <a:ext cx="1704313" cy="461665"/>
+          </a:xfrm>
+          <a:prstGeom prst="rect">
+            <a:avLst/>
+          </a:prstGeom>
+          <a:noFill/>
+        </p:spPr>
+        <p:txBody>
+          <a:bodyPr wrap="none" rtlCol="0">
+            <a:spAutoFit/>
+          </a:bodyPr>
+          <a:lstStyle/>
+          <a:p>
+            <a:r>
+              <a:rPr kumimoji="1" lang="ja-JP" altLang="en-US" sz="2400" dirty="0" smtClean="0"/>
+              <a:t>隣接行列 </a:t>
+            </a:r>
+            <a:r>
+              <a:rPr kumimoji="1" lang="en-US" altLang="ja-JP" sz="2400" dirty="0" smtClean="0"/>
+              <a:t>A</a:t>
+            </a:r>
+            <a:endParaRPr kumimoji="1" lang="ja-JP" altLang="en-US" sz="2400" dirty="0"/>
+          </a:p>
+        </p:txBody>
+      </p:sp>
+      <p:sp>
+        <p:nvSpPr>
+          <p:cNvPr id="23" name="テキスト ボックス 22"/>
+          <p:cNvSpPr txBox="1"/>
+          <p:nvPr/>
+        </p:nvSpPr>
+        <p:spPr>
+          <a:xfrm>
+            <a:off x="7104017" y="2331862"/>
+            <a:ext cx="1712328" cy="461665"/>
+          </a:xfrm>
+          <a:prstGeom prst="rect">
+            <a:avLst/>
+          </a:prstGeom>
+          <a:noFill/>
+        </p:spPr>
+        <p:txBody>
+          <a:bodyPr wrap="none" rtlCol="0">
+            <a:spAutoFit/>
+          </a:bodyPr>
+          <a:lstStyle/>
+          <a:p>
+            <a:r>
+              <a:rPr lang="ja-JP" altLang="en-US" sz="2400" dirty="0"/>
+              <a:t>交代</a:t>
+            </a:r>
+            <a:r>
+              <a:rPr kumimoji="1" lang="ja-JP" altLang="en-US" sz="2400" dirty="0" smtClean="0"/>
+              <a:t>行列 </a:t>
+            </a:r>
+            <a:r>
+              <a:rPr lang="en-US" altLang="ja-JP" sz="2400" dirty="0"/>
+              <a:t>B</a:t>
+            </a:r>
+            <a:endParaRPr kumimoji="1" lang="ja-JP" altLang="en-US" sz="2400" dirty="0"/>
+          </a:p>
+        </p:txBody>
+      </p:sp>
+    </p:spTree>
+    <p:extLst>
+      <p:ext uri="{BB962C8B-B14F-4D97-AF65-F5344CB8AC3E}">
+        <p14:creationId xmlns:p14="http://schemas.microsoft.com/office/powerpoint/2010/main" val="1766046629"/>
+      </p:ext>
+    </p:extLst>
+  </p:cSld>
+  <p:clrMapOvr>
+    <a:masterClrMapping/>
+  </p:clrMapOvr>
+</p:sld>
+</file>
+
+<file path=ppt/slides/slide4.xml><?xml version="1.0" encoding="utf-8"?>
+<p:sld xmlns:a="http://schemas.openxmlformats.org/drawingml/2006/main" xmlns:r="http://schemas.openxmlformats.org/officeDocument/2006/relationships" xmlns:p="http://schemas.openxmlformats.org/presentationml/2006/main">
+  <p:cSld>
+    <p:spTree>
+      <p:nvGrpSpPr>
+        <p:cNvPr id="1" name=""/>
+        <p:cNvGrpSpPr/>
+        <p:nvPr/>
+      </p:nvGrpSpPr>
+      <p:grpSpPr>
+        <a:xfrm>
+          <a:off x="0" y="0"/>
+          <a:ext cx="0" cy="0"/>
+          <a:chOff x="0" y="0"/>
+          <a:chExt cx="0" cy="0"/>
+        </a:xfrm>
+      </p:grpSpPr>
+      <p:sp>
+        <p:nvSpPr>
+          <p:cNvPr id="27" name="角丸四角形 26"/>
+          <p:cNvSpPr/>
+          <p:nvPr/>
+        </p:nvSpPr>
+        <p:spPr>
+          <a:xfrm>
+            <a:off x="39326" y="121577"/>
+            <a:ext cx="11636324" cy="949234"/>
+          </a:xfrm>
+          <a:prstGeom prst="roundRect">
+            <a:avLst/>
+          </a:prstGeom>
+          <a:solidFill>
+            <a:schemeClr val="accent2">
+              <a:lumMod val="60000"/>
+              <a:lumOff val="40000"/>
+            </a:schemeClr>
+          </a:solidFill>
+          <a:ln>
+            <a:noFill/>
+          </a:ln>
+        </p:spPr>
+        <p:style>
+          <a:lnRef idx="2">
+            <a:schemeClr val="accent1">
+              <a:shade val="50000"/>
+            </a:schemeClr>
+          </a:lnRef>
+          <a:fillRef idx="1">
+            <a:schemeClr val="accent1"/>
+          </a:fillRef>
+          <a:effectRef idx="0">
+            <a:schemeClr val="accent1"/>
+          </a:effectRef>
+          <a:fontRef idx="minor">
+            <a:schemeClr val="lt1"/>
+          </a:fontRef>
+        </p:style>
+        <p:txBody>
+          <a:bodyPr rtlCol="0" anchor="ctr"/>
+          <a:lstStyle/>
+          <a:p>
+            <a:pPr algn="ctr"/>
+            <a:endParaRPr kumimoji="1" lang="ja-JP" altLang="en-US" dirty="0"/>
+          </a:p>
+        </p:txBody>
+      </p:sp>
+      <p:sp>
+        <p:nvSpPr>
+          <p:cNvPr id="19" name="角丸四角形 18"/>
+          <p:cNvSpPr/>
+          <p:nvPr/>
+        </p:nvSpPr>
+        <p:spPr>
+          <a:xfrm>
+            <a:off x="45566" y="3073237"/>
+            <a:ext cx="11623842" cy="3358369"/>
+          </a:xfrm>
+          <a:prstGeom prst="roundRect">
+            <a:avLst/>
+          </a:prstGeom>
+          <a:solidFill>
+            <a:schemeClr val="accent1">
+              <a:lumMod val="60000"/>
+              <a:lumOff val="40000"/>
+            </a:schemeClr>
+          </a:solidFill>
+          <a:ln>
+            <a:noFill/>
+          </a:ln>
+        </p:spPr>
+        <p:style>
+          <a:lnRef idx="2">
+            <a:schemeClr val="accent1">
+              <a:shade val="50000"/>
+            </a:schemeClr>
+          </a:lnRef>
+          <a:fillRef idx="1">
+            <a:schemeClr val="accent1"/>
+          </a:fillRef>
+          <a:effectRef idx="0">
+            <a:schemeClr val="accent1"/>
+          </a:effectRef>
+          <a:fontRef idx="minor">
+            <a:schemeClr val="lt1"/>
+          </a:fontRef>
+        </p:style>
+        <p:txBody>
+          <a:bodyPr rtlCol="0" anchor="ctr"/>
+          <a:lstStyle/>
+          <a:p>
+            <a:pPr algn="ctr"/>
+            <a:endParaRPr kumimoji="1" lang="ja-JP" altLang="en-US" dirty="0"/>
+          </a:p>
+        </p:txBody>
+      </p:sp>
+      <p:sp>
+        <p:nvSpPr>
+          <p:cNvPr id="17" name="角丸四角形 16"/>
+          <p:cNvSpPr/>
+          <p:nvPr/>
+        </p:nvSpPr>
+        <p:spPr>
+          <a:xfrm>
+            <a:off x="39325" y="1176352"/>
+            <a:ext cx="11636325" cy="1913150"/>
+          </a:xfrm>
+          <a:prstGeom prst="roundRect">
+            <a:avLst/>
+          </a:prstGeom>
+          <a:solidFill>
+            <a:schemeClr val="accent6">
+              <a:lumMod val="60000"/>
+              <a:lumOff val="40000"/>
+            </a:schemeClr>
+          </a:solidFill>
+          <a:ln>
+            <a:noFill/>
+          </a:ln>
+        </p:spPr>
+        <p:style>
+          <a:lnRef idx="2">
+            <a:schemeClr val="accent1">
+              <a:shade val="50000"/>
+            </a:schemeClr>
+          </a:lnRef>
+          <a:fillRef idx="1">
+            <a:schemeClr val="accent1"/>
+          </a:fillRef>
+          <a:effectRef idx="0">
+            <a:schemeClr val="accent1"/>
+          </a:effectRef>
+          <a:fontRef idx="minor">
+            <a:schemeClr val="lt1"/>
+          </a:fontRef>
+        </p:style>
+        <p:txBody>
+          <a:bodyPr rtlCol="0" anchor="ctr"/>
+          <a:lstStyle/>
+          <a:p>
+            <a:pPr algn="ctr"/>
+            <a:endParaRPr kumimoji="1" lang="ja-JP" altLang="en-US" dirty="0"/>
+          </a:p>
+        </p:txBody>
+      </p:sp>
+      <p:sp>
+        <p:nvSpPr>
+          <p:cNvPr id="4" name="テキスト ボックス 3"/>
+          <p:cNvSpPr txBox="1"/>
+          <p:nvPr/>
+        </p:nvSpPr>
+        <p:spPr>
+          <a:xfrm>
+            <a:off x="4220302" y="2801700"/>
+            <a:ext cx="615874" cy="584775"/>
+          </a:xfrm>
+          <a:prstGeom prst="rect">
+            <a:avLst/>
+          </a:prstGeom>
+          <a:noFill/>
+          <a:ln>
+            <a:solidFill>
+              <a:schemeClr val="tx1"/>
+            </a:solidFill>
+          </a:ln>
+        </p:spPr>
+        <p:txBody>
+          <a:bodyPr wrap="none" rtlCol="0">
+            <a:spAutoFit/>
+          </a:bodyPr>
+          <a:lstStyle/>
+          <a:p>
+            <a:r>
+              <a:rPr kumimoji="1" lang="en-US" altLang="ja-JP" sz="3200" dirty="0" smtClean="0"/>
+              <a:t>B</a:t>
+            </a:r>
+            <a:r>
+              <a:rPr kumimoji="1" lang="en-US" altLang="ja-JP" sz="3200" baseline="-25000" dirty="0" smtClean="0"/>
+              <a:t>1</a:t>
+            </a:r>
+            <a:endParaRPr kumimoji="1" lang="ja-JP" altLang="en-US" sz="3200" baseline="-25000" dirty="0"/>
+          </a:p>
+        </p:txBody>
+      </p:sp>
+      <p:sp>
+        <p:nvSpPr>
+          <p:cNvPr id="5" name="テキスト ボックス 4"/>
+          <p:cNvSpPr txBox="1"/>
+          <p:nvPr/>
+        </p:nvSpPr>
+        <p:spPr>
+          <a:xfrm>
+            <a:off x="10914548" y="300244"/>
+            <a:ext cx="595035" cy="584775"/>
+          </a:xfrm>
+          <a:prstGeom prst="rect">
+            <a:avLst/>
+          </a:prstGeom>
+          <a:noFill/>
+          <a:ln>
+            <a:solidFill>
+              <a:schemeClr val="tx1"/>
+            </a:solidFill>
+          </a:ln>
+        </p:spPr>
+        <p:txBody>
+          <a:bodyPr wrap="none" rtlCol="0">
+            <a:spAutoFit/>
+          </a:bodyPr>
+          <a:lstStyle/>
+          <a:p>
+            <a:r>
+              <a:rPr kumimoji="1" lang="en-US" altLang="ja-JP" sz="3200" dirty="0" smtClean="0"/>
+              <a:t>S</a:t>
+            </a:r>
+            <a:r>
+              <a:rPr kumimoji="1" lang="en-US" altLang="ja-JP" sz="3200" baseline="-25000" dirty="0" smtClean="0"/>
+              <a:t>2</a:t>
+            </a:r>
+            <a:endParaRPr kumimoji="1" lang="ja-JP" altLang="en-US" sz="3200" baseline="-25000" dirty="0"/>
+          </a:p>
+        </p:txBody>
+      </p:sp>
+      <p:sp>
+        <p:nvSpPr>
+          <p:cNvPr id="9" name="テキスト ボックス 8"/>
+          <p:cNvSpPr txBox="1"/>
+          <p:nvPr/>
+        </p:nvSpPr>
+        <p:spPr>
+          <a:xfrm>
+            <a:off x="4222011" y="315941"/>
+            <a:ext cx="595035" cy="584775"/>
+          </a:xfrm>
+          <a:prstGeom prst="rect">
+            <a:avLst/>
+          </a:prstGeom>
+          <a:noFill/>
+          <a:ln>
+            <a:solidFill>
+              <a:schemeClr val="tx1"/>
+            </a:solidFill>
+          </a:ln>
+        </p:spPr>
+        <p:txBody>
+          <a:bodyPr wrap="none" rtlCol="0">
+            <a:spAutoFit/>
+          </a:bodyPr>
+          <a:lstStyle/>
+          <a:p>
+            <a:r>
+              <a:rPr kumimoji="1" lang="en-US" altLang="ja-JP" sz="3200" dirty="0" smtClean="0"/>
+              <a:t>S</a:t>
+            </a:r>
+            <a:r>
+              <a:rPr kumimoji="1" lang="en-US" altLang="ja-JP" sz="3200" baseline="-25000" dirty="0" smtClean="0"/>
+              <a:t>1</a:t>
+            </a:r>
+            <a:endParaRPr kumimoji="1" lang="ja-JP" altLang="en-US" sz="3200" baseline="-25000" dirty="0"/>
+          </a:p>
+        </p:txBody>
+      </p:sp>
+      <p:sp>
+        <p:nvSpPr>
+          <p:cNvPr id="10" name="テキスト ボックス 9"/>
+          <p:cNvSpPr txBox="1"/>
+          <p:nvPr/>
+        </p:nvSpPr>
+        <p:spPr>
+          <a:xfrm>
+            <a:off x="6415157" y="2804158"/>
+            <a:ext cx="615874" cy="584775"/>
+          </a:xfrm>
+          <a:prstGeom prst="rect">
+            <a:avLst/>
+          </a:prstGeom>
+          <a:noFill/>
+          <a:ln>
+            <a:solidFill>
+              <a:schemeClr val="tx1"/>
+            </a:solidFill>
+          </a:ln>
+        </p:spPr>
+        <p:txBody>
+          <a:bodyPr wrap="none" rtlCol="0">
+            <a:spAutoFit/>
+          </a:bodyPr>
+          <a:lstStyle/>
+          <a:p>
+            <a:r>
+              <a:rPr kumimoji="1" lang="en-US" altLang="ja-JP" sz="3200" dirty="0" smtClean="0"/>
+              <a:t>B</a:t>
+            </a:r>
+            <a:r>
+              <a:rPr kumimoji="1" lang="en-US" altLang="ja-JP" sz="3200" baseline="-25000" dirty="0" smtClean="0"/>
+              <a:t>2</a:t>
+            </a:r>
+            <a:endParaRPr kumimoji="1" lang="ja-JP" altLang="en-US" sz="3200" baseline="-25000" dirty="0"/>
+          </a:p>
+        </p:txBody>
+      </p:sp>
+      <p:sp>
+        <p:nvSpPr>
+          <p:cNvPr id="11" name="テキスト ボックス 10"/>
+          <p:cNvSpPr txBox="1"/>
+          <p:nvPr/>
+        </p:nvSpPr>
+        <p:spPr>
+          <a:xfrm>
+            <a:off x="10893835" y="2804158"/>
+            <a:ext cx="607859" cy="584775"/>
+          </a:xfrm>
+          <a:prstGeom prst="rect">
+            <a:avLst/>
+          </a:prstGeom>
+          <a:noFill/>
+          <a:ln>
+            <a:solidFill>
+              <a:schemeClr val="tx1"/>
+            </a:solidFill>
+          </a:ln>
+        </p:spPr>
+        <p:txBody>
+          <a:bodyPr wrap="none" rtlCol="0">
+            <a:spAutoFit/>
+          </a:bodyPr>
+          <a:lstStyle/>
+          <a:p>
+            <a:r>
+              <a:rPr kumimoji="1" lang="en-US" altLang="ja-JP" sz="3200" dirty="0" smtClean="0"/>
+              <a:t>B</a:t>
+            </a:r>
+            <a:r>
+              <a:rPr lang="en-US" altLang="ja-JP" sz="3200" baseline="-25000" dirty="0" smtClean="0"/>
+              <a:t>k</a:t>
+            </a:r>
+            <a:endParaRPr kumimoji="1" lang="ja-JP" altLang="en-US" sz="3200" baseline="-25000" dirty="0"/>
+          </a:p>
+        </p:txBody>
+      </p:sp>
+      <p:sp>
+        <p:nvSpPr>
+          <p:cNvPr id="12" name="テキスト ボックス 11"/>
+          <p:cNvSpPr txBox="1"/>
+          <p:nvPr/>
+        </p:nvSpPr>
+        <p:spPr>
+          <a:xfrm>
+            <a:off x="4229181" y="5135962"/>
+            <a:ext cx="611065" cy="584775"/>
+          </a:xfrm>
+          <a:prstGeom prst="rect">
+            <a:avLst/>
+          </a:prstGeom>
+          <a:noFill/>
+          <a:ln>
+            <a:solidFill>
+              <a:schemeClr val="tx1"/>
+            </a:solidFill>
+          </a:ln>
+        </p:spPr>
+        <p:txBody>
+          <a:bodyPr wrap="none" rtlCol="0">
+            <a:spAutoFit/>
+          </a:bodyPr>
+          <a:lstStyle/>
+          <a:p>
+            <a:r>
+              <a:rPr kumimoji="1" lang="en-US" altLang="ja-JP" sz="3200" dirty="0" smtClean="0"/>
+              <a:t>R</a:t>
+            </a:r>
+            <a:r>
+              <a:rPr kumimoji="1" lang="en-US" altLang="ja-JP" sz="3200" baseline="-25000" dirty="0" smtClean="0"/>
+              <a:t>1</a:t>
+            </a:r>
+            <a:endParaRPr kumimoji="1" lang="ja-JP" altLang="en-US" sz="3200" baseline="-25000" dirty="0"/>
+          </a:p>
+        </p:txBody>
+      </p:sp>
+      <p:sp>
+        <p:nvSpPr>
+          <p:cNvPr id="13" name="テキスト ボックス 12"/>
+          <p:cNvSpPr txBox="1"/>
+          <p:nvPr/>
+        </p:nvSpPr>
+        <p:spPr>
+          <a:xfrm>
+            <a:off x="6407644" y="5135962"/>
+            <a:ext cx="611065" cy="584775"/>
+          </a:xfrm>
+          <a:prstGeom prst="rect">
+            <a:avLst/>
+          </a:prstGeom>
+          <a:noFill/>
+          <a:ln>
+            <a:solidFill>
+              <a:schemeClr val="tx1"/>
+            </a:solidFill>
+          </a:ln>
+        </p:spPr>
+        <p:txBody>
+          <a:bodyPr wrap="none" rtlCol="0">
+            <a:spAutoFit/>
+          </a:bodyPr>
+          <a:lstStyle/>
+          <a:p>
+            <a:r>
+              <a:rPr kumimoji="1" lang="en-US" altLang="ja-JP" sz="3200" dirty="0" smtClean="0"/>
+              <a:t>R</a:t>
+            </a:r>
+            <a:r>
+              <a:rPr kumimoji="1" lang="en-US" altLang="ja-JP" sz="3200" baseline="-25000" dirty="0" smtClean="0"/>
+              <a:t>2</a:t>
+            </a:r>
+            <a:endParaRPr kumimoji="1" lang="ja-JP" altLang="en-US" sz="3200" baseline="-25000" dirty="0"/>
+          </a:p>
+        </p:txBody>
+      </p:sp>
+      <p:sp>
+        <p:nvSpPr>
+          <p:cNvPr id="14" name="テキスト ボックス 13"/>
+          <p:cNvSpPr txBox="1"/>
+          <p:nvPr/>
+        </p:nvSpPr>
+        <p:spPr>
+          <a:xfrm>
+            <a:off x="10893835" y="5138049"/>
+            <a:ext cx="603050" cy="584775"/>
+          </a:xfrm>
+          <a:prstGeom prst="rect">
+            <a:avLst/>
+          </a:prstGeom>
+          <a:noFill/>
+          <a:ln>
+            <a:solidFill>
+              <a:schemeClr val="tx1"/>
+            </a:solidFill>
+          </a:ln>
+        </p:spPr>
+        <p:txBody>
+          <a:bodyPr wrap="none" rtlCol="0">
+            <a:spAutoFit/>
+          </a:bodyPr>
+          <a:lstStyle/>
+          <a:p>
+            <a:r>
+              <a:rPr kumimoji="1" lang="en-US" altLang="ja-JP" sz="3200" dirty="0" err="1" smtClean="0"/>
+              <a:t>R</a:t>
+            </a:r>
+            <a:r>
+              <a:rPr kumimoji="1" lang="en-US" altLang="ja-JP" sz="3200" baseline="-25000" dirty="0" err="1" smtClean="0"/>
+              <a:t>k</a:t>
+            </a:r>
+            <a:endParaRPr kumimoji="1" lang="ja-JP" altLang="en-US" sz="3200" baseline="-25000" dirty="0"/>
+          </a:p>
+        </p:txBody>
+      </p:sp>
+      <p:sp>
+        <p:nvSpPr>
+          <p:cNvPr id="15" name="テキスト ボックス 14"/>
+          <p:cNvSpPr txBox="1"/>
+          <p:nvPr/>
+        </p:nvSpPr>
+        <p:spPr>
+          <a:xfrm>
+            <a:off x="106980" y="3870414"/>
+            <a:ext cx="1422184" cy="400110"/>
+          </a:xfrm>
+          <a:prstGeom prst="rect">
+            <a:avLst/>
+          </a:prstGeom>
+          <a:noFill/>
+          <a:ln>
+            <a:solidFill>
+              <a:schemeClr val="tx1"/>
+            </a:solidFill>
+          </a:ln>
+        </p:spPr>
+        <p:txBody>
+          <a:bodyPr wrap="none" rtlCol="0">
+            <a:spAutoFit/>
+          </a:bodyPr>
+          <a:lstStyle/>
+          <a:p>
+            <a:r>
+              <a:rPr kumimoji="1" lang="en-US" altLang="ja-JP" sz="2000" dirty="0" err="1" smtClean="0"/>
+              <a:t>R</a:t>
+            </a:r>
+            <a:r>
+              <a:rPr kumimoji="1" lang="en-US" altLang="ja-JP" sz="2000" baseline="-25000" dirty="0" err="1" smtClean="0"/>
+              <a:t>i</a:t>
+            </a:r>
+            <a:r>
+              <a:rPr kumimoji="1" lang="en-US" altLang="ja-JP" sz="2000" dirty="0" smtClean="0"/>
+              <a:t>=</a:t>
+            </a:r>
+            <a:r>
+              <a:rPr kumimoji="1" lang="en-US" altLang="ja-JP" sz="2000" dirty="0" err="1" smtClean="0"/>
+              <a:t>exp</a:t>
+            </a:r>
+            <a:r>
+              <a:rPr kumimoji="1" lang="en-US" altLang="ja-JP" sz="2000" dirty="0" smtClean="0"/>
+              <a:t>(B</a:t>
+            </a:r>
+            <a:r>
+              <a:rPr kumimoji="1" lang="en-US" altLang="ja-JP" sz="2000" baseline="-25000" dirty="0" smtClean="0"/>
+              <a:t>i</a:t>
+            </a:r>
+            <a:r>
+              <a:rPr kumimoji="1" lang="en-US" altLang="ja-JP" sz="2000" dirty="0" smtClean="0"/>
+              <a:t>)</a:t>
+            </a:r>
+            <a:endParaRPr kumimoji="1" lang="ja-JP" altLang="en-US" sz="2000" dirty="0"/>
+          </a:p>
+        </p:txBody>
+      </p:sp>
+      <p:sp>
+        <p:nvSpPr>
+          <p:cNvPr id="16" name="テキスト ボックス 15"/>
+          <p:cNvSpPr txBox="1"/>
+          <p:nvPr/>
+        </p:nvSpPr>
+        <p:spPr>
+          <a:xfrm>
+            <a:off x="2107294" y="4252442"/>
+            <a:ext cx="1358064" cy="400110"/>
+          </a:xfrm>
+          <a:prstGeom prst="rect">
+            <a:avLst/>
+          </a:prstGeom>
+          <a:noFill/>
+          <a:ln>
+            <a:solidFill>
+              <a:schemeClr val="tx1"/>
+            </a:solidFill>
+          </a:ln>
+        </p:spPr>
+        <p:txBody>
+          <a:bodyPr wrap="none" rtlCol="0">
+            <a:spAutoFit/>
+          </a:bodyPr>
+          <a:lstStyle/>
+          <a:p>
+            <a:r>
+              <a:rPr lang="en-US" altLang="ja-JP" sz="2000" dirty="0" smtClean="0"/>
+              <a:t>l</a:t>
+            </a:r>
+            <a:r>
+              <a:rPr kumimoji="1" lang="en-US" altLang="ja-JP" sz="2000" dirty="0" smtClean="0"/>
+              <a:t>og(</a:t>
+            </a:r>
+            <a:r>
+              <a:rPr kumimoji="1" lang="en-US" altLang="ja-JP" sz="2000" dirty="0" err="1" smtClean="0"/>
+              <a:t>R</a:t>
+            </a:r>
+            <a:r>
+              <a:rPr kumimoji="1" lang="en-US" altLang="ja-JP" sz="2000" baseline="-25000" dirty="0" err="1" smtClean="0"/>
+              <a:t>i</a:t>
+            </a:r>
+            <a:r>
+              <a:rPr kumimoji="1" lang="en-US" altLang="ja-JP" sz="2000" dirty="0" smtClean="0"/>
+              <a:t>)=B</a:t>
+            </a:r>
+            <a:r>
+              <a:rPr kumimoji="1" lang="en-US" altLang="ja-JP" sz="2000" baseline="-25000" dirty="0" smtClean="0"/>
+              <a:t>i</a:t>
+            </a:r>
+            <a:endParaRPr kumimoji="1" lang="ja-JP" altLang="en-US" sz="2000" baseline="-25000" dirty="0"/>
+          </a:p>
+        </p:txBody>
+      </p:sp>
+      <p:sp>
+        <p:nvSpPr>
+          <p:cNvPr id="18" name="テキスト ボックス 17"/>
+          <p:cNvSpPr txBox="1"/>
+          <p:nvPr/>
+        </p:nvSpPr>
+        <p:spPr>
+          <a:xfrm>
+            <a:off x="2068420" y="2704340"/>
+            <a:ext cx="1620957" cy="523220"/>
+          </a:xfrm>
+          <a:prstGeom prst="rect">
+            <a:avLst/>
+          </a:prstGeom>
+          <a:noFill/>
+        </p:spPr>
+        <p:txBody>
+          <a:bodyPr wrap="none" rtlCol="0">
+            <a:spAutoFit/>
+          </a:bodyPr>
+          <a:lstStyle/>
+          <a:p>
+            <a:r>
+              <a:rPr lang="ja-JP" altLang="en-US" sz="2800" dirty="0" smtClean="0"/>
+              <a:t>交代</a:t>
+            </a:r>
+            <a:r>
+              <a:rPr lang="ja-JP" altLang="en-US" sz="2800" dirty="0"/>
+              <a:t>行列</a:t>
+            </a:r>
+            <a:endParaRPr kumimoji="1" lang="ja-JP" altLang="en-US" sz="2800" dirty="0"/>
+          </a:p>
+        </p:txBody>
+      </p:sp>
+      <p:sp>
+        <p:nvSpPr>
+          <p:cNvPr id="20" name="テキスト ボックス 19"/>
+          <p:cNvSpPr txBox="1"/>
+          <p:nvPr/>
+        </p:nvSpPr>
+        <p:spPr>
+          <a:xfrm>
+            <a:off x="2172956" y="5420205"/>
+            <a:ext cx="1620957" cy="523220"/>
+          </a:xfrm>
+          <a:prstGeom prst="rect">
+            <a:avLst/>
+          </a:prstGeom>
+          <a:noFill/>
+        </p:spPr>
+        <p:txBody>
+          <a:bodyPr wrap="none" rtlCol="0">
+            <a:spAutoFit/>
+          </a:bodyPr>
+          <a:lstStyle/>
+          <a:p>
+            <a:r>
+              <a:rPr lang="ja-JP" altLang="en-US" sz="2800" dirty="0" smtClean="0"/>
+              <a:t>回転行列</a:t>
+            </a:r>
+            <a:endParaRPr kumimoji="1" lang="ja-JP" altLang="en-US" sz="2800" dirty="0"/>
+          </a:p>
+        </p:txBody>
+      </p:sp>
+      <p:sp>
+        <p:nvSpPr>
+          <p:cNvPr id="24" name="下矢印 23"/>
+          <p:cNvSpPr/>
+          <p:nvPr/>
+        </p:nvSpPr>
+        <p:spPr>
+          <a:xfrm rot="16200000">
+            <a:off x="7621709" y="-2311275"/>
+            <a:ext cx="421009" cy="5869379"/>
+          </a:xfrm>
+          <a:prstGeom prst="downArrow">
+            <a:avLst/>
+          </a:prstGeom>
+          <a:solidFill>
+            <a:schemeClr val="bg1">
+              <a:lumMod val="50000"/>
+            </a:schemeClr>
+          </a:solidFill>
+        </p:spPr>
+        <p:style>
+          <a:lnRef idx="2">
+            <a:schemeClr val="accent1">
+              <a:shade val="50000"/>
+            </a:schemeClr>
+          </a:lnRef>
+          <a:fillRef idx="1">
+            <a:schemeClr val="accent1"/>
+          </a:fillRef>
+          <a:effectRef idx="0">
+            <a:schemeClr val="accent1"/>
+          </a:effectRef>
+          <a:fontRef idx="minor">
+            <a:schemeClr val="lt1"/>
+          </a:fontRef>
+        </p:style>
+        <p:txBody>
+          <a:bodyPr rtlCol="0" anchor="ctr"/>
+          <a:lstStyle/>
+          <a:p>
+            <a:pPr algn="ctr"/>
+            <a:endParaRPr kumimoji="1" lang="ja-JP" altLang="en-US"/>
+          </a:p>
+        </p:txBody>
+      </p:sp>
+      <p:sp>
+        <p:nvSpPr>
+          <p:cNvPr id="25" name="テキスト ボックス 24"/>
+          <p:cNvSpPr txBox="1"/>
+          <p:nvPr/>
+        </p:nvSpPr>
+        <p:spPr>
+          <a:xfrm>
+            <a:off x="241" y="3526781"/>
+            <a:ext cx="1980029" cy="400110"/>
+          </a:xfrm>
+          <a:prstGeom prst="rect">
+            <a:avLst/>
+          </a:prstGeom>
+          <a:noFill/>
+        </p:spPr>
+        <p:txBody>
+          <a:bodyPr wrap="none" rtlCol="0">
+            <a:spAutoFit/>
+          </a:bodyPr>
+          <a:lstStyle/>
+          <a:p>
+            <a:r>
+              <a:rPr lang="ja-JP" altLang="en-US" sz="2000" dirty="0" smtClean="0"/>
+              <a:t>行列の指数関数</a:t>
+            </a:r>
+            <a:endParaRPr kumimoji="1" lang="ja-JP" altLang="en-US" sz="2000" dirty="0"/>
+          </a:p>
+        </p:txBody>
+      </p:sp>
+      <p:sp>
+        <p:nvSpPr>
+          <p:cNvPr id="26" name="テキスト ボックス 25"/>
+          <p:cNvSpPr txBox="1"/>
+          <p:nvPr/>
+        </p:nvSpPr>
+        <p:spPr>
+          <a:xfrm>
+            <a:off x="1737231" y="4619222"/>
+            <a:ext cx="1980029" cy="400110"/>
+          </a:xfrm>
+          <a:prstGeom prst="rect">
+            <a:avLst/>
+          </a:prstGeom>
+          <a:noFill/>
+        </p:spPr>
+        <p:txBody>
+          <a:bodyPr wrap="none" rtlCol="0">
+            <a:spAutoFit/>
+          </a:bodyPr>
+          <a:lstStyle/>
+          <a:p>
+            <a:r>
+              <a:rPr lang="ja-JP" altLang="en-US" sz="2000" dirty="0" smtClean="0"/>
+              <a:t>行列の対数関数</a:t>
+            </a:r>
+            <a:endParaRPr kumimoji="1" lang="ja-JP" altLang="en-US" sz="2000" dirty="0"/>
+          </a:p>
+        </p:txBody>
+      </p:sp>
+      <p:sp>
+        <p:nvSpPr>
+          <p:cNvPr id="28" name="テキスト ボックス 27"/>
+          <p:cNvSpPr txBox="1"/>
+          <p:nvPr/>
+        </p:nvSpPr>
+        <p:spPr>
+          <a:xfrm>
+            <a:off x="2387973" y="356657"/>
+            <a:ext cx="902811" cy="523220"/>
+          </a:xfrm>
+          <a:prstGeom prst="rect">
+            <a:avLst/>
+          </a:prstGeom>
+          <a:noFill/>
+        </p:spPr>
+        <p:txBody>
+          <a:bodyPr wrap="none" rtlCol="0">
+            <a:spAutoFit/>
+          </a:bodyPr>
+          <a:lstStyle/>
+          <a:p>
+            <a:r>
+              <a:rPr lang="ja-JP" altLang="en-US" sz="2800" dirty="0" smtClean="0"/>
+              <a:t>順列</a:t>
+            </a:r>
+            <a:endParaRPr kumimoji="1" lang="ja-JP" altLang="en-US" sz="2800" dirty="0"/>
+          </a:p>
+        </p:txBody>
+      </p:sp>
+      <p:sp>
+        <p:nvSpPr>
+          <p:cNvPr id="29" name="テキスト ボックス 28"/>
+          <p:cNvSpPr txBox="1"/>
+          <p:nvPr/>
+        </p:nvSpPr>
+        <p:spPr>
+          <a:xfrm>
+            <a:off x="6566407" y="677721"/>
+            <a:ext cx="2400016" cy="523220"/>
+          </a:xfrm>
+          <a:prstGeom prst="rect">
+            <a:avLst/>
+          </a:prstGeom>
+          <a:noFill/>
+        </p:spPr>
+        <p:txBody>
+          <a:bodyPr wrap="none" rtlCol="0">
+            <a:spAutoFit/>
+          </a:bodyPr>
+          <a:lstStyle/>
+          <a:p>
+            <a:r>
+              <a:rPr lang="en-US" altLang="ja-JP" sz="2800" dirty="0" smtClean="0"/>
+              <a:t>S</a:t>
+            </a:r>
+            <a:r>
+              <a:rPr lang="en-US" altLang="ja-JP" sz="2800" baseline="-25000" dirty="0" smtClean="0"/>
+              <a:t>2</a:t>
+            </a:r>
+            <a:r>
+              <a:rPr lang="ja-JP" altLang="en-US" sz="2800" baseline="-25000" dirty="0" smtClean="0"/>
+              <a:t>　</a:t>
+            </a:r>
+            <a:r>
+              <a:rPr lang="ja-JP" altLang="en-US" sz="2800" dirty="0" smtClean="0"/>
+              <a:t>＝ </a:t>
+            </a:r>
+            <a:r>
+              <a:rPr lang="en-US" altLang="ja-JP" sz="2800" dirty="0" smtClean="0"/>
+              <a:t>P S</a:t>
+            </a:r>
+            <a:r>
+              <a:rPr lang="en-US" altLang="ja-JP" sz="2800" baseline="-25000" dirty="0" smtClean="0"/>
+              <a:t>2 </a:t>
+            </a:r>
+            <a:r>
+              <a:rPr lang="en-US" altLang="ja-JP" sz="2800" dirty="0" smtClean="0"/>
+              <a:t>P</a:t>
+            </a:r>
+            <a:r>
+              <a:rPr lang="en-US" altLang="ja-JP" sz="2800" baseline="30000" dirty="0" smtClean="0"/>
+              <a:t>T</a:t>
+            </a:r>
+            <a:endParaRPr lang="ja-JP" altLang="en-US" sz="2800" baseline="30000" dirty="0"/>
+          </a:p>
+        </p:txBody>
+      </p:sp>
+      <p:sp>
+        <p:nvSpPr>
+          <p:cNvPr id="30" name="テキスト ボックス 29"/>
+          <p:cNvSpPr txBox="1"/>
+          <p:nvPr/>
+        </p:nvSpPr>
+        <p:spPr>
+          <a:xfrm>
+            <a:off x="7615267" y="1555782"/>
+            <a:ext cx="2258952" cy="954107"/>
+          </a:xfrm>
+          <a:prstGeom prst="rect">
+            <a:avLst/>
+          </a:prstGeom>
+          <a:noFill/>
+        </p:spPr>
+        <p:txBody>
+          <a:bodyPr wrap="none" rtlCol="0">
+            <a:spAutoFit/>
+          </a:bodyPr>
+          <a:lstStyle/>
+          <a:p>
+            <a:pPr algn="ctr"/>
+            <a:r>
+              <a:rPr lang="ja-JP" altLang="en-US" sz="2800" dirty="0" smtClean="0"/>
+              <a:t>団代数変異</a:t>
+            </a:r>
+            <a:endParaRPr lang="en-US" altLang="ja-JP" sz="2800" dirty="0" smtClean="0"/>
+          </a:p>
+          <a:p>
+            <a:pPr algn="ctr"/>
+            <a:r>
+              <a:rPr lang="en-US" altLang="ja-JP" sz="2800" dirty="0"/>
+              <a:t>(</a:t>
+            </a:r>
+            <a:r>
+              <a:rPr lang="ja-JP" altLang="en-US" sz="2800" dirty="0" smtClean="0"/>
+              <a:t>多ステップ</a:t>
+            </a:r>
+            <a:r>
+              <a:rPr lang="en-US" altLang="ja-JP" sz="2800" dirty="0" smtClean="0"/>
+              <a:t>)</a:t>
+            </a:r>
+            <a:endParaRPr kumimoji="1" lang="ja-JP" altLang="en-US" sz="2800" dirty="0"/>
+          </a:p>
+        </p:txBody>
+      </p:sp>
+      <p:sp>
+        <p:nvSpPr>
+          <p:cNvPr id="31" name="下矢印 30"/>
+          <p:cNvSpPr/>
+          <p:nvPr/>
+        </p:nvSpPr>
+        <p:spPr>
+          <a:xfrm rot="16200000">
+            <a:off x="7229938" y="2138518"/>
+            <a:ext cx="421009" cy="905354"/>
+          </a:xfrm>
+          <a:prstGeom prst="downArrow">
+            <a:avLst/>
+          </a:prstGeom>
+          <a:solidFill>
+            <a:schemeClr val="bg1">
+              <a:lumMod val="50000"/>
+            </a:schemeClr>
+          </a:solidFill>
+        </p:spPr>
+        <p:style>
+          <a:lnRef idx="2">
+            <a:schemeClr val="accent1">
+              <a:shade val="50000"/>
+            </a:schemeClr>
+          </a:lnRef>
+          <a:fillRef idx="1">
+            <a:schemeClr val="accent1"/>
+          </a:fillRef>
+          <a:effectRef idx="0">
+            <a:schemeClr val="accent1"/>
+          </a:effectRef>
+          <a:fontRef idx="minor">
+            <a:schemeClr val="lt1"/>
+          </a:fontRef>
+        </p:style>
+        <p:txBody>
+          <a:bodyPr rtlCol="0" anchor="ctr"/>
+          <a:lstStyle/>
+          <a:p>
+            <a:pPr algn="ctr"/>
+            <a:endParaRPr kumimoji="1" lang="ja-JP" altLang="en-US"/>
+          </a:p>
+        </p:txBody>
+      </p:sp>
+      <p:sp>
+        <p:nvSpPr>
+          <p:cNvPr id="32" name="下矢印 31"/>
+          <p:cNvSpPr/>
+          <p:nvPr/>
+        </p:nvSpPr>
+        <p:spPr>
+          <a:xfrm rot="16200000">
+            <a:off x="5410208" y="2121423"/>
+            <a:ext cx="421009" cy="905354"/>
+          </a:xfrm>
+          <a:prstGeom prst="downArrow">
+            <a:avLst/>
+          </a:prstGeom>
+          <a:solidFill>
+            <a:schemeClr val="bg1">
+              <a:lumMod val="50000"/>
+            </a:schemeClr>
+          </a:solidFill>
+        </p:spPr>
+        <p:style>
+          <a:lnRef idx="2">
+            <a:schemeClr val="accent1">
+              <a:shade val="50000"/>
+            </a:schemeClr>
+          </a:lnRef>
+          <a:fillRef idx="1">
+            <a:schemeClr val="accent1"/>
+          </a:fillRef>
+          <a:effectRef idx="0">
+            <a:schemeClr val="accent1"/>
+          </a:effectRef>
+          <a:fontRef idx="minor">
+            <a:schemeClr val="lt1"/>
+          </a:fontRef>
+        </p:style>
+        <p:txBody>
+          <a:bodyPr rtlCol="0" anchor="ctr"/>
+          <a:lstStyle/>
+          <a:p>
+            <a:pPr algn="ctr"/>
+            <a:endParaRPr kumimoji="1" lang="ja-JP" altLang="en-US"/>
+          </a:p>
+        </p:txBody>
+      </p:sp>
+      <p:sp>
+        <p:nvSpPr>
+          <p:cNvPr id="33" name="下矢印 32"/>
+          <p:cNvSpPr/>
+          <p:nvPr/>
+        </p:nvSpPr>
+        <p:spPr>
+          <a:xfrm rot="16200000">
+            <a:off x="10131871" y="2098098"/>
+            <a:ext cx="421009" cy="905354"/>
+          </a:xfrm>
+          <a:prstGeom prst="downArrow">
+            <a:avLst/>
+          </a:prstGeom>
+          <a:solidFill>
+            <a:schemeClr val="bg1">
+              <a:lumMod val="50000"/>
+            </a:schemeClr>
+          </a:solidFill>
+        </p:spPr>
+        <p:style>
+          <a:lnRef idx="2">
+            <a:schemeClr val="accent1">
+              <a:shade val="50000"/>
+            </a:schemeClr>
+          </a:lnRef>
+          <a:fillRef idx="1">
+            <a:schemeClr val="accent1"/>
+          </a:fillRef>
+          <a:effectRef idx="0">
+            <a:schemeClr val="accent1"/>
+          </a:effectRef>
+          <a:fontRef idx="minor">
+            <a:schemeClr val="lt1"/>
+          </a:fontRef>
+        </p:style>
+        <p:txBody>
+          <a:bodyPr rtlCol="0" anchor="ctr"/>
+          <a:lstStyle/>
+          <a:p>
+            <a:pPr algn="ctr"/>
+            <a:endParaRPr kumimoji="1" lang="ja-JP" altLang="en-US"/>
+          </a:p>
+        </p:txBody>
+      </p:sp>
+      <p:sp>
+        <p:nvSpPr>
+          <p:cNvPr id="34" name="テキスト ボックス 33"/>
+          <p:cNvSpPr txBox="1"/>
+          <p:nvPr/>
+        </p:nvSpPr>
+        <p:spPr>
+          <a:xfrm>
+            <a:off x="2300820" y="5050453"/>
+            <a:ext cx="1261884" cy="523220"/>
+          </a:xfrm>
+          <a:prstGeom prst="rect">
+            <a:avLst/>
+          </a:prstGeom>
+          <a:noFill/>
+        </p:spPr>
+        <p:txBody>
+          <a:bodyPr wrap="none" rtlCol="0">
+            <a:spAutoFit/>
+          </a:bodyPr>
+          <a:lstStyle/>
+          <a:p>
+            <a:r>
+              <a:rPr lang="ja-JP" altLang="en-US" sz="2800" dirty="0" smtClean="0"/>
+              <a:t>リー群</a:t>
+            </a:r>
+            <a:endParaRPr kumimoji="1" lang="ja-JP" altLang="en-US" sz="2800" dirty="0"/>
+          </a:p>
+        </p:txBody>
+      </p:sp>
+      <p:sp>
+        <p:nvSpPr>
+          <p:cNvPr id="35" name="テキスト ボックス 34"/>
+          <p:cNvSpPr txBox="1"/>
+          <p:nvPr/>
+        </p:nvSpPr>
+        <p:spPr>
+          <a:xfrm>
+            <a:off x="2056484" y="3111035"/>
+            <a:ext cx="1620957" cy="523220"/>
+          </a:xfrm>
+          <a:prstGeom prst="rect">
+            <a:avLst/>
+          </a:prstGeom>
+          <a:noFill/>
+        </p:spPr>
+        <p:txBody>
+          <a:bodyPr wrap="none" rtlCol="0">
+            <a:spAutoFit/>
+          </a:bodyPr>
+          <a:lstStyle/>
+          <a:p>
+            <a:r>
+              <a:rPr lang="ja-JP" altLang="en-US" sz="2800" dirty="0" smtClean="0"/>
+              <a:t>リー代数</a:t>
+            </a:r>
+            <a:endParaRPr kumimoji="1" lang="ja-JP" altLang="en-US" sz="2800" dirty="0"/>
+          </a:p>
+        </p:txBody>
+      </p:sp>
+      <p:sp>
+        <p:nvSpPr>
+          <p:cNvPr id="36" name="テキスト ボックス 35"/>
+          <p:cNvSpPr txBox="1"/>
+          <p:nvPr/>
+        </p:nvSpPr>
+        <p:spPr>
+          <a:xfrm>
+            <a:off x="25016" y="2065332"/>
+            <a:ext cx="1980029" cy="523220"/>
+          </a:xfrm>
+          <a:prstGeom prst="rect">
+            <a:avLst/>
+          </a:prstGeom>
+          <a:noFill/>
+        </p:spPr>
+        <p:txBody>
+          <a:bodyPr wrap="none" rtlCol="0">
+            <a:spAutoFit/>
+          </a:bodyPr>
+          <a:lstStyle/>
+          <a:p>
+            <a:r>
+              <a:rPr lang="ja-JP" altLang="en-US" sz="2800" dirty="0" smtClean="0"/>
+              <a:t>箙・団代数</a:t>
+            </a:r>
+            <a:endParaRPr kumimoji="1" lang="ja-JP" altLang="en-US" sz="2800" dirty="0"/>
+          </a:p>
+        </p:txBody>
+      </p:sp>
+      <p:sp>
+        <p:nvSpPr>
+          <p:cNvPr id="37" name="テキスト ボックス 36"/>
+          <p:cNvSpPr txBox="1"/>
+          <p:nvPr/>
+        </p:nvSpPr>
+        <p:spPr>
+          <a:xfrm>
+            <a:off x="1975848" y="1662587"/>
+            <a:ext cx="1620957" cy="523220"/>
+          </a:xfrm>
+          <a:prstGeom prst="rect">
+            <a:avLst/>
+          </a:prstGeom>
+          <a:noFill/>
+        </p:spPr>
+        <p:txBody>
+          <a:bodyPr wrap="none" rtlCol="0">
+            <a:spAutoFit/>
+          </a:bodyPr>
+          <a:lstStyle/>
+          <a:p>
+            <a:r>
+              <a:rPr lang="ja-JP" altLang="en-US" sz="2800" dirty="0" smtClean="0"/>
+              <a:t>隣接行列</a:t>
+            </a:r>
+            <a:endParaRPr kumimoji="1" lang="ja-JP" altLang="en-US" sz="2800" dirty="0"/>
+          </a:p>
+        </p:txBody>
+      </p:sp>
+      <p:sp>
+        <p:nvSpPr>
+          <p:cNvPr id="39" name="テキスト ボックス 38"/>
+          <p:cNvSpPr txBox="1"/>
+          <p:nvPr/>
+        </p:nvSpPr>
+        <p:spPr>
+          <a:xfrm>
+            <a:off x="4229181" y="1603646"/>
+            <a:ext cx="603050" cy="584775"/>
+          </a:xfrm>
+          <a:prstGeom prst="rect">
+            <a:avLst/>
+          </a:prstGeom>
+          <a:noFill/>
+          <a:ln>
+            <a:solidFill>
+              <a:schemeClr val="tx1"/>
+            </a:solidFill>
+          </a:ln>
+        </p:spPr>
+        <p:txBody>
+          <a:bodyPr wrap="none" rtlCol="0">
+            <a:spAutoFit/>
+          </a:bodyPr>
+          <a:lstStyle/>
+          <a:p>
+            <a:r>
+              <a:rPr kumimoji="1" lang="en-US" altLang="ja-JP" sz="3200" dirty="0" smtClean="0"/>
+              <a:t>A</a:t>
+            </a:r>
+            <a:r>
+              <a:rPr kumimoji="1" lang="en-US" altLang="ja-JP" sz="3200" baseline="-25000" dirty="0" smtClean="0"/>
+              <a:t>1</a:t>
+            </a:r>
+            <a:endParaRPr kumimoji="1" lang="ja-JP" altLang="en-US" sz="3200" baseline="-25000" dirty="0"/>
+          </a:p>
+        </p:txBody>
+      </p:sp>
+      <p:sp>
+        <p:nvSpPr>
+          <p:cNvPr id="40" name="テキスト ボックス 39"/>
+          <p:cNvSpPr txBox="1"/>
+          <p:nvPr/>
+        </p:nvSpPr>
+        <p:spPr>
+          <a:xfrm>
+            <a:off x="6413901" y="1603646"/>
+            <a:ext cx="603050" cy="584775"/>
+          </a:xfrm>
+          <a:prstGeom prst="rect">
+            <a:avLst/>
+          </a:prstGeom>
+          <a:noFill/>
+          <a:ln>
+            <a:solidFill>
+              <a:schemeClr val="tx1"/>
+            </a:solidFill>
+          </a:ln>
+        </p:spPr>
+        <p:txBody>
+          <a:bodyPr wrap="none" rtlCol="0">
+            <a:spAutoFit/>
+          </a:bodyPr>
+          <a:lstStyle/>
+          <a:p>
+            <a:r>
+              <a:rPr kumimoji="1" lang="en-US" altLang="ja-JP" sz="3200" dirty="0" smtClean="0"/>
+              <a:t>A</a:t>
+            </a:r>
+            <a:r>
+              <a:rPr kumimoji="1" lang="en-US" altLang="ja-JP" sz="3200" baseline="-25000" dirty="0" smtClean="0"/>
+              <a:t>2</a:t>
+            </a:r>
+            <a:endParaRPr kumimoji="1" lang="ja-JP" altLang="en-US" sz="3200" baseline="-25000" dirty="0"/>
+          </a:p>
+        </p:txBody>
+      </p:sp>
+      <p:sp>
+        <p:nvSpPr>
+          <p:cNvPr id="41" name="テキスト ボックス 40"/>
+          <p:cNvSpPr txBox="1"/>
+          <p:nvPr/>
+        </p:nvSpPr>
+        <p:spPr>
+          <a:xfrm>
+            <a:off x="10906659" y="1603647"/>
+            <a:ext cx="595035" cy="584775"/>
+          </a:xfrm>
+          <a:prstGeom prst="rect">
+            <a:avLst/>
+          </a:prstGeom>
+          <a:noFill/>
+          <a:ln>
+            <a:solidFill>
+              <a:schemeClr val="tx1"/>
+            </a:solidFill>
+          </a:ln>
+        </p:spPr>
+        <p:txBody>
+          <a:bodyPr wrap="none" rtlCol="0">
+            <a:spAutoFit/>
+          </a:bodyPr>
+          <a:lstStyle/>
+          <a:p>
+            <a:r>
+              <a:rPr kumimoji="1" lang="en-US" altLang="ja-JP" sz="3200" dirty="0" err="1" smtClean="0"/>
+              <a:t>A</a:t>
+            </a:r>
+            <a:r>
+              <a:rPr lang="en-US" altLang="ja-JP" sz="3200" baseline="-25000" dirty="0" err="1" smtClean="0"/>
+              <a:t>k</a:t>
+            </a:r>
+            <a:endParaRPr kumimoji="1" lang="ja-JP" altLang="en-US" sz="3200" baseline="-25000" dirty="0"/>
+          </a:p>
+        </p:txBody>
+      </p:sp>
+      <p:sp>
+        <p:nvSpPr>
+          <p:cNvPr id="42" name="上カーブ矢印 41"/>
+          <p:cNvSpPr/>
+          <p:nvPr/>
+        </p:nvSpPr>
+        <p:spPr>
+          <a:xfrm>
+            <a:off x="4712674" y="5807553"/>
+            <a:ext cx="1995443" cy="592183"/>
+          </a:xfrm>
+          <a:prstGeom prst="curvedUpArrow">
+            <a:avLst/>
+          </a:prstGeom>
+        </p:spPr>
+        <p:style>
+          <a:lnRef idx="2">
+            <a:schemeClr val="accent1">
+              <a:shade val="50000"/>
+            </a:schemeClr>
+          </a:lnRef>
+          <a:fillRef idx="1">
+            <a:schemeClr val="accent1"/>
+          </a:fillRef>
+          <a:effectRef idx="0">
+            <a:schemeClr val="accent1"/>
+          </a:effectRef>
+          <a:fontRef idx="minor">
+            <a:schemeClr val="lt1"/>
+          </a:fontRef>
+        </p:style>
+        <p:txBody>
+          <a:bodyPr rtlCol="0" anchor="ctr"/>
+          <a:lstStyle/>
+          <a:p>
+            <a:pPr algn="ctr"/>
+            <a:endParaRPr kumimoji="1" lang="ja-JP" altLang="en-US">
+              <a:solidFill>
+                <a:schemeClr val="tx1"/>
+              </a:solidFill>
+            </a:endParaRPr>
+          </a:p>
+        </p:txBody>
+      </p:sp>
+      <p:sp>
+        <p:nvSpPr>
+          <p:cNvPr id="43" name="上カーブ矢印 42"/>
+          <p:cNvSpPr/>
+          <p:nvPr/>
+        </p:nvSpPr>
+        <p:spPr>
+          <a:xfrm>
+            <a:off x="6861440" y="5753603"/>
+            <a:ext cx="1847131" cy="592183"/>
+          </a:xfrm>
+          <a:prstGeom prst="curvedUpArrow">
+            <a:avLst/>
+          </a:prstGeom>
+        </p:spPr>
+        <p:style>
+          <a:lnRef idx="2">
+            <a:schemeClr val="accent1">
+              <a:shade val="50000"/>
+            </a:schemeClr>
+          </a:lnRef>
+          <a:fillRef idx="1">
+            <a:schemeClr val="accent1"/>
+          </a:fillRef>
+          <a:effectRef idx="0">
+            <a:schemeClr val="accent1"/>
+          </a:effectRef>
+          <a:fontRef idx="minor">
+            <a:schemeClr val="lt1"/>
+          </a:fontRef>
+        </p:style>
+        <p:txBody>
+          <a:bodyPr rtlCol="0" anchor="ctr"/>
+          <a:lstStyle/>
+          <a:p>
+            <a:pPr algn="ctr"/>
+            <a:endParaRPr kumimoji="1" lang="ja-JP" altLang="en-US">
+              <a:solidFill>
+                <a:schemeClr val="tx1"/>
+              </a:solidFill>
+            </a:endParaRPr>
+          </a:p>
+        </p:txBody>
+      </p:sp>
+      <p:sp>
+        <p:nvSpPr>
+          <p:cNvPr id="44" name="上カーブ矢印 43"/>
+          <p:cNvSpPr/>
+          <p:nvPr/>
+        </p:nvSpPr>
+        <p:spPr>
+          <a:xfrm>
+            <a:off x="9230387" y="5806818"/>
+            <a:ext cx="1940880" cy="592183"/>
+          </a:xfrm>
+          <a:prstGeom prst="curvedUpArrow">
+            <a:avLst/>
+          </a:prstGeom>
+        </p:spPr>
+        <p:style>
+          <a:lnRef idx="2">
+            <a:schemeClr val="accent1">
+              <a:shade val="50000"/>
+            </a:schemeClr>
+          </a:lnRef>
+          <a:fillRef idx="1">
+            <a:schemeClr val="accent1"/>
+          </a:fillRef>
+          <a:effectRef idx="0">
+            <a:schemeClr val="accent1"/>
+          </a:effectRef>
+          <a:fontRef idx="minor">
+            <a:schemeClr val="lt1"/>
+          </a:fontRef>
+        </p:style>
+        <p:txBody>
+          <a:bodyPr rtlCol="0" anchor="ctr"/>
+          <a:lstStyle/>
+          <a:p>
+            <a:pPr algn="ctr"/>
+            <a:endParaRPr kumimoji="1" lang="ja-JP" altLang="en-US">
+              <a:solidFill>
+                <a:schemeClr val="tx1"/>
+              </a:solidFill>
+            </a:endParaRPr>
+          </a:p>
+        </p:txBody>
+      </p:sp>
+      <p:sp>
+        <p:nvSpPr>
+          <p:cNvPr id="54" name="テキスト ボックス 53"/>
+          <p:cNvSpPr txBox="1"/>
+          <p:nvPr/>
+        </p:nvSpPr>
+        <p:spPr>
+          <a:xfrm rot="5400000">
+            <a:off x="3927572" y="688471"/>
+            <a:ext cx="1031051" cy="1107996"/>
+          </a:xfrm>
+          <a:prstGeom prst="rect">
+            <a:avLst/>
+          </a:prstGeom>
+          <a:noFill/>
+        </p:spPr>
+        <p:txBody>
+          <a:bodyPr wrap="none" rtlCol="0">
+            <a:spAutoFit/>
+          </a:bodyPr>
+          <a:lstStyle/>
+          <a:p>
+            <a:r>
+              <a:rPr lang="ja-JP" altLang="en-US" sz="6600" b="1" dirty="0"/>
+              <a:t>＝</a:t>
+            </a:r>
+            <a:endParaRPr kumimoji="1" lang="ja-JP" altLang="en-US" sz="6600" b="1" dirty="0"/>
+          </a:p>
+        </p:txBody>
+      </p:sp>
+      <p:sp>
+        <p:nvSpPr>
+          <p:cNvPr id="55" name="テキスト ボックス 54"/>
+          <p:cNvSpPr txBox="1"/>
+          <p:nvPr/>
+        </p:nvSpPr>
+        <p:spPr>
+          <a:xfrm rot="5400000">
+            <a:off x="10613866" y="699592"/>
+            <a:ext cx="1031051" cy="1107996"/>
+          </a:xfrm>
+          <a:prstGeom prst="rect">
+            <a:avLst/>
+          </a:prstGeom>
+          <a:noFill/>
+        </p:spPr>
+        <p:txBody>
+          <a:bodyPr wrap="none" rtlCol="0">
+            <a:spAutoFit/>
+          </a:bodyPr>
+          <a:lstStyle/>
+          <a:p>
+            <a:r>
+              <a:rPr lang="ja-JP" altLang="en-US" sz="6600" b="1" dirty="0"/>
+              <a:t>＝</a:t>
+            </a:r>
+            <a:endParaRPr kumimoji="1" lang="ja-JP" altLang="en-US" sz="6600" b="1" dirty="0"/>
+          </a:p>
+        </p:txBody>
+      </p:sp>
+      <p:sp>
+        <p:nvSpPr>
+          <p:cNvPr id="56" name="テキスト ボックス 55"/>
+          <p:cNvSpPr txBox="1"/>
+          <p:nvPr/>
+        </p:nvSpPr>
+        <p:spPr>
+          <a:xfrm rot="5400000">
+            <a:off x="3943587" y="1989451"/>
+            <a:ext cx="1031051" cy="1107996"/>
+          </a:xfrm>
+          <a:prstGeom prst="rect">
+            <a:avLst/>
+          </a:prstGeom>
+          <a:noFill/>
+        </p:spPr>
+        <p:txBody>
+          <a:bodyPr wrap="none" rtlCol="0">
+            <a:spAutoFit/>
+          </a:bodyPr>
+          <a:lstStyle/>
+          <a:p>
+            <a:r>
+              <a:rPr lang="ja-JP" altLang="en-US" sz="6600" b="1" dirty="0"/>
+              <a:t>≃</a:t>
+            </a:r>
+            <a:endParaRPr kumimoji="1" lang="ja-JP" altLang="en-US" sz="6600" b="1" dirty="0"/>
+          </a:p>
+        </p:txBody>
+      </p:sp>
+      <p:sp>
+        <p:nvSpPr>
+          <p:cNvPr id="57" name="テキスト ボックス 56"/>
+          <p:cNvSpPr txBox="1"/>
+          <p:nvPr/>
+        </p:nvSpPr>
+        <p:spPr>
+          <a:xfrm rot="5400000">
+            <a:off x="6136502" y="1973910"/>
+            <a:ext cx="1031051" cy="1107996"/>
+          </a:xfrm>
+          <a:prstGeom prst="rect">
+            <a:avLst/>
+          </a:prstGeom>
+          <a:noFill/>
+        </p:spPr>
+        <p:txBody>
+          <a:bodyPr wrap="none" rtlCol="0">
+            <a:spAutoFit/>
+          </a:bodyPr>
+          <a:lstStyle/>
+          <a:p>
+            <a:r>
+              <a:rPr lang="ja-JP" altLang="en-US" sz="6600" b="1" dirty="0"/>
+              <a:t>≃</a:t>
+            </a:r>
+            <a:endParaRPr kumimoji="1" lang="ja-JP" altLang="en-US" sz="6600" b="1" dirty="0"/>
+          </a:p>
+        </p:txBody>
+      </p:sp>
+      <p:sp>
+        <p:nvSpPr>
+          <p:cNvPr id="58" name="テキスト ボックス 57"/>
+          <p:cNvSpPr txBox="1"/>
+          <p:nvPr/>
+        </p:nvSpPr>
+        <p:spPr>
+          <a:xfrm rot="5400000">
+            <a:off x="10606126" y="1955633"/>
+            <a:ext cx="1031051" cy="1107996"/>
+          </a:xfrm>
+          <a:prstGeom prst="rect">
+            <a:avLst/>
+          </a:prstGeom>
+          <a:noFill/>
+        </p:spPr>
+        <p:txBody>
+          <a:bodyPr wrap="none" rtlCol="0">
+            <a:spAutoFit/>
+          </a:bodyPr>
+          <a:lstStyle/>
+          <a:p>
+            <a:r>
+              <a:rPr lang="ja-JP" altLang="en-US" sz="6600" b="1" dirty="0"/>
+              <a:t>≃</a:t>
+            </a:r>
+            <a:endParaRPr kumimoji="1" lang="ja-JP" altLang="en-US" sz="6600" b="1" dirty="0"/>
+          </a:p>
+        </p:txBody>
+      </p:sp>
+      <p:grpSp>
+        <p:nvGrpSpPr>
+          <p:cNvPr id="61" name="グループ化 60"/>
+          <p:cNvGrpSpPr/>
+          <p:nvPr/>
+        </p:nvGrpSpPr>
+        <p:grpSpPr>
+          <a:xfrm>
+            <a:off x="4289343" y="3608534"/>
+            <a:ext cx="397154" cy="1347340"/>
+            <a:chOff x="4220302" y="3581253"/>
+            <a:chExt cx="397154" cy="1347340"/>
+          </a:xfrm>
+        </p:grpSpPr>
+        <p:sp>
+          <p:nvSpPr>
+            <p:cNvPr id="59" name="下矢印 58"/>
+            <p:cNvSpPr/>
+            <p:nvPr/>
+          </p:nvSpPr>
+          <p:spPr>
+            <a:xfrm>
+              <a:off x="4220302" y="3604780"/>
+              <a:ext cx="193518" cy="1323813"/>
+            </a:xfrm>
+            <a:prstGeom prst="downArrow">
+              <a:avLst/>
+            </a:prstGeom>
+            <a:solidFill>
+              <a:schemeClr val="bg1">
+                <a:lumMod val="50000"/>
+              </a:schemeClr>
+            </a:solidFill>
+          </p:spPr>
+          <p:style>
+            <a:lnRef idx="2">
+              <a:schemeClr val="accent1">
+                <a:shade val="50000"/>
+              </a:schemeClr>
+            </a:lnRef>
+            <a:fillRef idx="1">
+              <a:schemeClr val="accent1"/>
+            </a:fillRef>
+            <a:effectRef idx="0">
+              <a:schemeClr val="accent1"/>
+            </a:effectRef>
+            <a:fontRef idx="minor">
+              <a:schemeClr val="lt1"/>
+            </a:fontRef>
+          </p:style>
+          <p:txBody>
+            <a:bodyPr rtlCol="0" anchor="ctr"/>
+            <a:lstStyle/>
+            <a:p>
+              <a:pPr algn="ctr"/>
+              <a:endParaRPr kumimoji="1" lang="ja-JP" altLang="en-US"/>
+            </a:p>
+          </p:txBody>
+        </p:sp>
+        <p:sp>
+          <p:nvSpPr>
+            <p:cNvPr id="60" name="下矢印 59"/>
+            <p:cNvSpPr/>
+            <p:nvPr/>
+          </p:nvSpPr>
+          <p:spPr>
+            <a:xfrm rot="10800000">
+              <a:off x="4423938" y="3581253"/>
+              <a:ext cx="193518" cy="1323813"/>
+            </a:xfrm>
+            <a:prstGeom prst="downArrow">
+              <a:avLst/>
+            </a:prstGeom>
+            <a:solidFill>
+              <a:schemeClr val="bg1">
+                <a:lumMod val="50000"/>
+              </a:schemeClr>
+            </a:solidFill>
+          </p:spPr>
+          <p:style>
+            <a:lnRef idx="2">
+              <a:schemeClr val="accent1">
+                <a:shade val="50000"/>
+              </a:schemeClr>
+            </a:lnRef>
+            <a:fillRef idx="1">
+              <a:schemeClr val="accent1"/>
+            </a:fillRef>
+            <a:effectRef idx="0">
+              <a:schemeClr val="accent1"/>
+            </a:effectRef>
+            <a:fontRef idx="minor">
+              <a:schemeClr val="lt1"/>
+            </a:fontRef>
+          </p:style>
+          <p:txBody>
+            <a:bodyPr rtlCol="0" anchor="ctr"/>
+            <a:lstStyle/>
+            <a:p>
+              <a:pPr algn="ctr"/>
+              <a:endParaRPr kumimoji="1" lang="ja-JP" altLang="en-US"/>
+            </a:p>
+          </p:txBody>
+        </p:sp>
+      </p:grpSp>
+      <p:grpSp>
+        <p:nvGrpSpPr>
+          <p:cNvPr id="62" name="グループ化 61"/>
+          <p:cNvGrpSpPr/>
+          <p:nvPr/>
+        </p:nvGrpSpPr>
+        <p:grpSpPr>
+          <a:xfrm>
+            <a:off x="6514599" y="3553436"/>
+            <a:ext cx="397154" cy="1347340"/>
+            <a:chOff x="4220302" y="3581253"/>
+            <a:chExt cx="397154" cy="1347340"/>
+          </a:xfrm>
+        </p:grpSpPr>
+        <p:sp>
+          <p:nvSpPr>
+            <p:cNvPr id="63" name="下矢印 62"/>
+            <p:cNvSpPr/>
+            <p:nvPr/>
+          </p:nvSpPr>
+          <p:spPr>
+            <a:xfrm>
+              <a:off x="4220302" y="3604780"/>
+              <a:ext cx="193518" cy="1323813"/>
+            </a:xfrm>
+            <a:prstGeom prst="downArrow">
+              <a:avLst/>
+            </a:prstGeom>
+            <a:solidFill>
+              <a:schemeClr val="bg1">
+                <a:lumMod val="50000"/>
+              </a:schemeClr>
+            </a:solidFill>
+          </p:spPr>
+          <p:style>
+            <a:lnRef idx="2">
+              <a:schemeClr val="accent1">
+                <a:shade val="50000"/>
+              </a:schemeClr>
+            </a:lnRef>
+            <a:fillRef idx="1">
+              <a:schemeClr val="accent1"/>
+            </a:fillRef>
+            <a:effectRef idx="0">
+              <a:schemeClr val="accent1"/>
+            </a:effectRef>
+            <a:fontRef idx="minor">
+              <a:schemeClr val="lt1"/>
+            </a:fontRef>
+          </p:style>
+          <p:txBody>
+            <a:bodyPr rtlCol="0" anchor="ctr"/>
+            <a:lstStyle/>
+            <a:p>
+              <a:pPr algn="ctr"/>
+              <a:endParaRPr kumimoji="1" lang="ja-JP" altLang="en-US"/>
+            </a:p>
+          </p:txBody>
+        </p:sp>
+        <p:sp>
+          <p:nvSpPr>
+            <p:cNvPr id="64" name="下矢印 63"/>
+            <p:cNvSpPr/>
+            <p:nvPr/>
+          </p:nvSpPr>
+          <p:spPr>
+            <a:xfrm rot="10800000">
+              <a:off x="4423938" y="3581253"/>
+              <a:ext cx="193518" cy="1323813"/>
+            </a:xfrm>
+            <a:prstGeom prst="downArrow">
+              <a:avLst/>
+            </a:prstGeom>
+            <a:solidFill>
+              <a:schemeClr val="bg1">
+                <a:lumMod val="50000"/>
+              </a:schemeClr>
+            </a:solidFill>
+          </p:spPr>
+          <p:style>
+            <a:lnRef idx="2">
+              <a:schemeClr val="accent1">
+                <a:shade val="50000"/>
+              </a:schemeClr>
+            </a:lnRef>
+            <a:fillRef idx="1">
+              <a:schemeClr val="accent1"/>
+            </a:fillRef>
+            <a:effectRef idx="0">
+              <a:schemeClr val="accent1"/>
+            </a:effectRef>
+            <a:fontRef idx="minor">
+              <a:schemeClr val="lt1"/>
+            </a:fontRef>
+          </p:style>
+          <p:txBody>
+            <a:bodyPr rtlCol="0" anchor="ctr"/>
+            <a:lstStyle/>
+            <a:p>
+              <a:pPr algn="ctr"/>
+              <a:endParaRPr kumimoji="1" lang="ja-JP" altLang="en-US"/>
+            </a:p>
+          </p:txBody>
+        </p:sp>
+      </p:grpSp>
+      <p:grpSp>
+        <p:nvGrpSpPr>
+          <p:cNvPr id="65" name="グループ化 64"/>
+          <p:cNvGrpSpPr/>
+          <p:nvPr/>
+        </p:nvGrpSpPr>
+        <p:grpSpPr>
+          <a:xfrm>
+            <a:off x="11005599" y="3553436"/>
+            <a:ext cx="397154" cy="1347340"/>
+            <a:chOff x="4220302" y="3581253"/>
+            <a:chExt cx="397154" cy="1347340"/>
+          </a:xfrm>
+        </p:grpSpPr>
+        <p:sp>
+          <p:nvSpPr>
+            <p:cNvPr id="66" name="下矢印 65"/>
+            <p:cNvSpPr/>
+            <p:nvPr/>
+          </p:nvSpPr>
+          <p:spPr>
+            <a:xfrm>
+              <a:off x="4220302" y="3604780"/>
+              <a:ext cx="193518" cy="1323813"/>
+            </a:xfrm>
+            <a:prstGeom prst="downArrow">
+              <a:avLst/>
+            </a:prstGeom>
+            <a:solidFill>
+              <a:schemeClr val="bg1">
+                <a:lumMod val="50000"/>
+              </a:schemeClr>
+            </a:solidFill>
+          </p:spPr>
+          <p:style>
+            <a:lnRef idx="2">
+              <a:schemeClr val="accent1">
+                <a:shade val="50000"/>
+              </a:schemeClr>
+            </a:lnRef>
+            <a:fillRef idx="1">
+              <a:schemeClr val="accent1"/>
+            </a:fillRef>
+            <a:effectRef idx="0">
+              <a:schemeClr val="accent1"/>
+            </a:effectRef>
+            <a:fontRef idx="minor">
+              <a:schemeClr val="lt1"/>
+            </a:fontRef>
+          </p:style>
+          <p:txBody>
+            <a:bodyPr rtlCol="0" anchor="ctr"/>
+            <a:lstStyle/>
+            <a:p>
+              <a:pPr algn="ctr"/>
+              <a:endParaRPr kumimoji="1" lang="ja-JP" altLang="en-US"/>
+            </a:p>
+          </p:txBody>
+        </p:sp>
+        <p:sp>
+          <p:nvSpPr>
+            <p:cNvPr id="67" name="下矢印 66"/>
+            <p:cNvSpPr/>
+            <p:nvPr/>
+          </p:nvSpPr>
+          <p:spPr>
+            <a:xfrm rot="10800000">
+              <a:off x="4423938" y="3581253"/>
+              <a:ext cx="193518" cy="1323813"/>
+            </a:xfrm>
+            <a:prstGeom prst="downArrow">
+              <a:avLst/>
+            </a:prstGeom>
+            <a:solidFill>
+              <a:schemeClr val="bg1">
+                <a:lumMod val="50000"/>
+              </a:schemeClr>
+            </a:solidFill>
+          </p:spPr>
+          <p:style>
+            <a:lnRef idx="2">
+              <a:schemeClr val="accent1">
+                <a:shade val="50000"/>
+              </a:schemeClr>
+            </a:lnRef>
+            <a:fillRef idx="1">
+              <a:schemeClr val="accent1"/>
+            </a:fillRef>
+            <a:effectRef idx="0">
+              <a:schemeClr val="accent1"/>
+            </a:effectRef>
+            <a:fontRef idx="minor">
+              <a:schemeClr val="lt1"/>
+            </a:fontRef>
+          </p:style>
+          <p:txBody>
+            <a:bodyPr rtlCol="0" anchor="ctr"/>
+            <a:lstStyle/>
+            <a:p>
+              <a:pPr algn="ctr"/>
+              <a:endParaRPr kumimoji="1" lang="ja-JP" altLang="en-US"/>
+            </a:p>
+          </p:txBody>
+        </p:sp>
+      </p:grpSp>
+      <p:grpSp>
+        <p:nvGrpSpPr>
+          <p:cNvPr id="68" name="グループ化 67"/>
+          <p:cNvGrpSpPr/>
+          <p:nvPr/>
+        </p:nvGrpSpPr>
+        <p:grpSpPr>
+          <a:xfrm>
+            <a:off x="1602158" y="3972303"/>
+            <a:ext cx="397154" cy="681089"/>
+            <a:chOff x="4220302" y="3581253"/>
+            <a:chExt cx="397154" cy="1347340"/>
+          </a:xfrm>
+        </p:grpSpPr>
+        <p:sp>
+          <p:nvSpPr>
+            <p:cNvPr id="69" name="下矢印 68"/>
+            <p:cNvSpPr/>
+            <p:nvPr/>
+          </p:nvSpPr>
+          <p:spPr>
+            <a:xfrm>
+              <a:off x="4220302" y="3604780"/>
+              <a:ext cx="193518" cy="1323813"/>
+            </a:xfrm>
+            <a:prstGeom prst="downArrow">
+              <a:avLst/>
+            </a:prstGeom>
+            <a:solidFill>
+              <a:schemeClr val="bg1">
+                <a:lumMod val="50000"/>
+              </a:schemeClr>
+            </a:solidFill>
+          </p:spPr>
+          <p:style>
+            <a:lnRef idx="2">
+              <a:schemeClr val="accent1">
+                <a:shade val="50000"/>
+              </a:schemeClr>
+            </a:lnRef>
+            <a:fillRef idx="1">
+              <a:schemeClr val="accent1"/>
+            </a:fillRef>
+            <a:effectRef idx="0">
+              <a:schemeClr val="accent1"/>
+            </a:effectRef>
+            <a:fontRef idx="minor">
+              <a:schemeClr val="lt1"/>
+            </a:fontRef>
+          </p:style>
+          <p:txBody>
+            <a:bodyPr rtlCol="0" anchor="ctr"/>
+            <a:lstStyle/>
+            <a:p>
+              <a:pPr algn="ctr"/>
+              <a:endParaRPr kumimoji="1" lang="ja-JP" altLang="en-US"/>
+            </a:p>
+          </p:txBody>
+        </p:sp>
+        <p:sp>
+          <p:nvSpPr>
+            <p:cNvPr id="70" name="下矢印 69"/>
+            <p:cNvSpPr/>
+            <p:nvPr/>
+          </p:nvSpPr>
+          <p:spPr>
+            <a:xfrm rot="10800000">
+              <a:off x="4423938" y="3581253"/>
+              <a:ext cx="193518" cy="1323813"/>
+            </a:xfrm>
+            <a:prstGeom prst="downArrow">
+              <a:avLst/>
+            </a:prstGeom>
+            <a:solidFill>
+              <a:schemeClr val="bg1">
+                <a:lumMod val="50000"/>
+              </a:schemeClr>
+            </a:solidFill>
+          </p:spPr>
+          <p:style>
+            <a:lnRef idx="2">
+              <a:schemeClr val="accent1">
+                <a:shade val="50000"/>
+              </a:schemeClr>
+            </a:lnRef>
+            <a:fillRef idx="1">
+              <a:schemeClr val="accent1"/>
+            </a:fillRef>
+            <a:effectRef idx="0">
+              <a:schemeClr val="accent1"/>
+            </a:effectRef>
+            <a:fontRef idx="minor">
+              <a:schemeClr val="lt1"/>
+            </a:fontRef>
+          </p:style>
+          <p:txBody>
+            <a:bodyPr rtlCol="0" anchor="ctr"/>
+            <a:lstStyle/>
+            <a:p>
+              <a:pPr algn="ctr"/>
+              <a:endParaRPr kumimoji="1" lang="ja-JP" altLang="en-US"/>
+            </a:p>
+          </p:txBody>
+        </p:sp>
+      </p:grpSp>
+      <p:sp>
+        <p:nvSpPr>
+          <p:cNvPr id="72" name="正方形/長方形 71"/>
+          <p:cNvSpPr/>
+          <p:nvPr/>
+        </p:nvSpPr>
+        <p:spPr>
+          <a:xfrm>
+            <a:off x="8260742" y="2458821"/>
+            <a:ext cx="212698" cy="245519"/>
+          </a:xfrm>
+          <a:prstGeom prst="rect">
+            <a:avLst/>
+          </a:prstGeom>
+          <a:solidFill>
+            <a:schemeClr val="bg1">
+              <a:lumMod val="50000"/>
+            </a:schemeClr>
+          </a:solidFill>
+          <a:ln>
+            <a:noFill/>
+          </a:ln>
+        </p:spPr>
+        <p:style>
+          <a:lnRef idx="2">
+            <a:schemeClr val="accent1">
+              <a:shade val="50000"/>
+            </a:schemeClr>
+          </a:lnRef>
+          <a:fillRef idx="1">
+            <a:schemeClr val="accent1"/>
+          </a:fillRef>
+          <a:effectRef idx="0">
+            <a:schemeClr val="accent1"/>
+          </a:effectRef>
+          <a:fontRef idx="minor">
+            <a:schemeClr val="lt1"/>
+          </a:fontRef>
+        </p:style>
+        <p:txBody>
+          <a:bodyPr rtlCol="0" anchor="ctr"/>
+          <a:lstStyle/>
+          <a:p>
+            <a:pPr algn="ctr"/>
+            <a:endParaRPr kumimoji="1" lang="ja-JP" altLang="en-US"/>
+          </a:p>
+        </p:txBody>
+      </p:sp>
+      <p:sp>
+        <p:nvSpPr>
+          <p:cNvPr id="73" name="正方形/長方形 72"/>
+          <p:cNvSpPr/>
+          <p:nvPr/>
+        </p:nvSpPr>
+        <p:spPr>
+          <a:xfrm>
+            <a:off x="8628364" y="2451343"/>
+            <a:ext cx="212698" cy="245519"/>
+          </a:xfrm>
+          <a:prstGeom prst="rect">
+            <a:avLst/>
+          </a:prstGeom>
+          <a:solidFill>
+            <a:schemeClr val="bg1">
+              <a:lumMod val="50000"/>
+            </a:schemeClr>
+          </a:solidFill>
+          <a:ln>
+            <a:noFill/>
+          </a:ln>
+        </p:spPr>
+        <p:style>
+          <a:lnRef idx="2">
+            <a:schemeClr val="accent1">
+              <a:shade val="50000"/>
+            </a:schemeClr>
+          </a:lnRef>
+          <a:fillRef idx="1">
+            <a:schemeClr val="accent1"/>
+          </a:fillRef>
+          <a:effectRef idx="0">
+            <a:schemeClr val="accent1"/>
+          </a:effectRef>
+          <a:fontRef idx="minor">
+            <a:schemeClr val="lt1"/>
+          </a:fontRef>
+        </p:style>
+        <p:txBody>
+          <a:bodyPr rtlCol="0" anchor="ctr"/>
+          <a:lstStyle/>
+          <a:p>
+            <a:pPr algn="ctr"/>
+            <a:endParaRPr kumimoji="1" lang="ja-JP" altLang="en-US"/>
+          </a:p>
+        </p:txBody>
+      </p:sp>
+      <p:sp>
+        <p:nvSpPr>
+          <p:cNvPr id="74" name="正方形/長方形 73"/>
+          <p:cNvSpPr/>
+          <p:nvPr/>
+        </p:nvSpPr>
+        <p:spPr>
+          <a:xfrm>
+            <a:off x="9017688" y="2451342"/>
+            <a:ext cx="212698" cy="245519"/>
+          </a:xfrm>
+          <a:prstGeom prst="rect">
+            <a:avLst/>
+          </a:prstGeom>
+          <a:solidFill>
+            <a:schemeClr val="bg1">
+              <a:lumMod val="50000"/>
+            </a:schemeClr>
+          </a:solidFill>
+          <a:ln>
+            <a:noFill/>
+          </a:ln>
+        </p:spPr>
+        <p:style>
+          <a:lnRef idx="2">
+            <a:schemeClr val="accent1">
+              <a:shade val="50000"/>
+            </a:schemeClr>
+          </a:lnRef>
+          <a:fillRef idx="1">
+            <a:schemeClr val="accent1"/>
+          </a:fillRef>
+          <a:effectRef idx="0">
+            <a:schemeClr val="accent1"/>
+          </a:effectRef>
+          <a:fontRef idx="minor">
+            <a:schemeClr val="lt1"/>
+          </a:fontRef>
+        </p:style>
+        <p:txBody>
+          <a:bodyPr rtlCol="0" anchor="ctr"/>
+          <a:lstStyle/>
+          <a:p>
+            <a:pPr algn="ctr"/>
+            <a:endParaRPr kumimoji="1" lang="ja-JP" altLang="en-US"/>
+          </a:p>
+        </p:txBody>
+      </p:sp>
+      <p:sp>
+        <p:nvSpPr>
+          <p:cNvPr id="75" name="テキスト ボックス 74"/>
+          <p:cNvSpPr txBox="1"/>
+          <p:nvPr/>
+        </p:nvSpPr>
+        <p:spPr>
+          <a:xfrm>
+            <a:off x="5172124" y="5943425"/>
+            <a:ext cx="697627" cy="400110"/>
+          </a:xfrm>
+          <a:prstGeom prst="rect">
+            <a:avLst/>
+          </a:prstGeom>
+          <a:noFill/>
+        </p:spPr>
+        <p:txBody>
+          <a:bodyPr wrap="none" rtlCol="0">
+            <a:spAutoFit/>
+          </a:bodyPr>
+          <a:lstStyle/>
+          <a:p>
+            <a:r>
+              <a:rPr lang="ja-JP" altLang="en-US" sz="2000" dirty="0" smtClean="0"/>
+              <a:t>回転</a:t>
+            </a:r>
+            <a:endParaRPr kumimoji="1" lang="ja-JP" altLang="en-US" sz="2000" dirty="0"/>
+          </a:p>
+        </p:txBody>
+      </p:sp>
+      <p:sp>
+        <p:nvSpPr>
+          <p:cNvPr id="76" name="テキスト ボックス 75"/>
+          <p:cNvSpPr txBox="1"/>
+          <p:nvPr/>
+        </p:nvSpPr>
+        <p:spPr>
+          <a:xfrm>
+            <a:off x="7377357" y="5943425"/>
+            <a:ext cx="697627" cy="400110"/>
+          </a:xfrm>
+          <a:prstGeom prst="rect">
+            <a:avLst/>
+          </a:prstGeom>
+          <a:noFill/>
+        </p:spPr>
+        <p:txBody>
+          <a:bodyPr wrap="none" rtlCol="0">
+            <a:spAutoFit/>
+          </a:bodyPr>
+          <a:lstStyle/>
+          <a:p>
+            <a:r>
+              <a:rPr lang="ja-JP" altLang="en-US" sz="2000" dirty="0" smtClean="0"/>
+              <a:t>回転</a:t>
+            </a:r>
+            <a:endParaRPr kumimoji="1" lang="ja-JP" altLang="en-US" sz="2000" dirty="0"/>
+          </a:p>
+        </p:txBody>
+      </p:sp>
+      <p:sp>
+        <p:nvSpPr>
+          <p:cNvPr id="77" name="テキスト ボックス 76"/>
+          <p:cNvSpPr txBox="1"/>
+          <p:nvPr/>
+        </p:nvSpPr>
+        <p:spPr>
+          <a:xfrm>
+            <a:off x="9828060" y="5943425"/>
+            <a:ext cx="697627" cy="400110"/>
+          </a:xfrm>
+          <a:prstGeom prst="rect">
+            <a:avLst/>
+          </a:prstGeom>
+          <a:noFill/>
+        </p:spPr>
+        <p:txBody>
+          <a:bodyPr wrap="none" rtlCol="0">
+            <a:spAutoFit/>
+          </a:bodyPr>
+          <a:lstStyle/>
+          <a:p>
+            <a:r>
+              <a:rPr lang="ja-JP" altLang="en-US" sz="2000" dirty="0" smtClean="0"/>
+              <a:t>回転</a:t>
+            </a:r>
+            <a:endParaRPr kumimoji="1" lang="ja-JP" altLang="en-US" sz="2000" dirty="0"/>
+          </a:p>
+        </p:txBody>
+      </p:sp>
+      <p:sp>
+        <p:nvSpPr>
+          <p:cNvPr id="78" name="テキスト ボックス 77"/>
+          <p:cNvSpPr txBox="1"/>
+          <p:nvPr/>
+        </p:nvSpPr>
+        <p:spPr>
+          <a:xfrm>
+            <a:off x="6494277" y="134651"/>
+            <a:ext cx="2818400" cy="523220"/>
+          </a:xfrm>
+          <a:prstGeom prst="rect">
+            <a:avLst/>
+          </a:prstGeom>
+          <a:noFill/>
+        </p:spPr>
+        <p:txBody>
+          <a:bodyPr wrap="none" rtlCol="0">
+            <a:spAutoFit/>
+          </a:bodyPr>
+          <a:lstStyle/>
+          <a:p>
+            <a:r>
+              <a:rPr lang="ja-JP" altLang="en-US" sz="2800" dirty="0" smtClean="0"/>
+              <a:t>互換</a:t>
+            </a:r>
+            <a:r>
+              <a:rPr lang="en-US" altLang="ja-JP" sz="2800" dirty="0" smtClean="0"/>
+              <a:t>(1</a:t>
+            </a:r>
+            <a:r>
+              <a:rPr lang="ja-JP" altLang="en-US" sz="2800" dirty="0" smtClean="0"/>
+              <a:t>ステップ</a:t>
+            </a:r>
+            <a:r>
+              <a:rPr lang="en-US" altLang="ja-JP" sz="2800" dirty="0" smtClean="0"/>
+              <a:t>)</a:t>
+            </a:r>
+            <a:endParaRPr kumimoji="1" lang="ja-JP" altLang="en-US" sz="2800" dirty="0"/>
+          </a:p>
+        </p:txBody>
+      </p:sp>
+      <p:sp>
+        <p:nvSpPr>
+          <p:cNvPr id="79" name="テキスト ボックス 78"/>
+          <p:cNvSpPr txBox="1"/>
+          <p:nvPr/>
+        </p:nvSpPr>
+        <p:spPr>
+          <a:xfrm>
+            <a:off x="4768382" y="2737414"/>
+            <a:ext cx="1754006" cy="400110"/>
+          </a:xfrm>
+          <a:prstGeom prst="rect">
+            <a:avLst/>
+          </a:prstGeom>
+          <a:noFill/>
+        </p:spPr>
+        <p:txBody>
+          <a:bodyPr wrap="none" rtlCol="0">
+            <a:spAutoFit/>
+          </a:bodyPr>
+          <a:lstStyle/>
+          <a:p>
+            <a:r>
+              <a:rPr lang="en-US" altLang="ja-JP" sz="2000" dirty="0" smtClean="0"/>
+              <a:t>B</a:t>
+            </a:r>
+            <a:r>
+              <a:rPr lang="en-US" altLang="ja-JP" sz="2000" baseline="-25000" dirty="0" smtClean="0"/>
+              <a:t>2</a:t>
+            </a:r>
+            <a:r>
+              <a:rPr lang="ja-JP" altLang="en-US" sz="2000" dirty="0" smtClean="0"/>
+              <a:t>＝</a:t>
+            </a:r>
+            <a:r>
+              <a:rPr lang="en-US" altLang="ja-JP" sz="2000" dirty="0" smtClean="0"/>
+              <a:t>W</a:t>
+            </a:r>
+            <a:r>
+              <a:rPr lang="en-US" altLang="ja-JP" sz="2000" baseline="-25000" dirty="0" smtClean="0"/>
+              <a:t>1</a:t>
+            </a:r>
+            <a:r>
+              <a:rPr lang="en-US" altLang="ja-JP" sz="2000" dirty="0" smtClean="0"/>
+              <a:t>B</a:t>
+            </a:r>
+            <a:r>
+              <a:rPr lang="en-US" altLang="ja-JP" sz="2000" baseline="-25000" dirty="0" smtClean="0"/>
+              <a:t>1</a:t>
+            </a:r>
+            <a:r>
+              <a:rPr lang="en-US" altLang="ja-JP" sz="2000" dirty="0" smtClean="0"/>
+              <a:t>W</a:t>
+            </a:r>
+            <a:r>
+              <a:rPr lang="en-US" altLang="ja-JP" sz="2000" baseline="-25000" dirty="0" smtClean="0"/>
+              <a:t>1</a:t>
+            </a:r>
+            <a:r>
+              <a:rPr lang="en-US" altLang="ja-JP" sz="2000" baseline="30000" dirty="0" smtClean="0"/>
+              <a:t>T</a:t>
+            </a:r>
+            <a:endParaRPr lang="ja-JP" altLang="en-US" sz="2000" baseline="30000" dirty="0"/>
+          </a:p>
+        </p:txBody>
+      </p:sp>
+      <p:sp>
+        <p:nvSpPr>
+          <p:cNvPr id="80" name="テキスト ボックス 79"/>
+          <p:cNvSpPr txBox="1"/>
+          <p:nvPr/>
+        </p:nvSpPr>
+        <p:spPr>
+          <a:xfrm>
+            <a:off x="5406945" y="1143358"/>
+            <a:ext cx="4935430" cy="461665"/>
+          </a:xfrm>
+          <a:prstGeom prst="rect">
+            <a:avLst/>
+          </a:prstGeom>
+          <a:noFill/>
+        </p:spPr>
+        <p:txBody>
+          <a:bodyPr wrap="square" rtlCol="0">
+            <a:spAutoFit/>
+          </a:bodyPr>
+          <a:lstStyle/>
+          <a:p>
+            <a:r>
+              <a:rPr lang="en-US" altLang="ja-JP" sz="2400" dirty="0" smtClean="0"/>
+              <a:t>B</a:t>
+            </a:r>
+            <a:r>
+              <a:rPr lang="en-US" altLang="ja-JP" sz="2400" baseline="-25000" dirty="0"/>
+              <a:t>k</a:t>
+            </a:r>
+            <a:r>
+              <a:rPr lang="ja-JP" altLang="en-US" sz="2400" dirty="0" smtClean="0"/>
+              <a:t>＝</a:t>
+            </a:r>
+            <a:r>
+              <a:rPr lang="en-US" altLang="ja-JP" sz="2400" dirty="0" smtClean="0"/>
+              <a:t>W</a:t>
+            </a:r>
+            <a:r>
+              <a:rPr lang="en-US" altLang="ja-JP" sz="2400" baseline="-25000" dirty="0" smtClean="0"/>
+              <a:t>k-1</a:t>
+            </a:r>
+            <a:r>
+              <a:rPr lang="en-US" altLang="ja-JP" sz="2400" dirty="0" smtClean="0"/>
+              <a:t>…W</a:t>
+            </a:r>
+            <a:r>
+              <a:rPr lang="en-US" altLang="ja-JP" sz="2400" baseline="-25000" dirty="0" smtClean="0"/>
+              <a:t>2</a:t>
+            </a:r>
+            <a:r>
+              <a:rPr lang="en-US" altLang="ja-JP" sz="2400" dirty="0" smtClean="0"/>
+              <a:t>W</a:t>
+            </a:r>
+            <a:r>
+              <a:rPr lang="en-US" altLang="ja-JP" sz="2400" baseline="-25000" dirty="0" smtClean="0"/>
+              <a:t>1</a:t>
+            </a:r>
+            <a:r>
+              <a:rPr lang="en-US" altLang="ja-JP" sz="2400" dirty="0" smtClean="0"/>
+              <a:t>B</a:t>
+            </a:r>
+            <a:r>
+              <a:rPr lang="en-US" altLang="ja-JP" sz="2400" baseline="-25000" dirty="0" smtClean="0"/>
+              <a:t>1</a:t>
+            </a:r>
+            <a:r>
+              <a:rPr lang="en-US" altLang="ja-JP" sz="2400" dirty="0" smtClean="0"/>
+              <a:t>W</a:t>
+            </a:r>
+            <a:r>
+              <a:rPr lang="en-US" altLang="ja-JP" sz="2400" baseline="-25000" dirty="0" smtClean="0"/>
+              <a:t>1</a:t>
+            </a:r>
+            <a:r>
+              <a:rPr lang="en-US" altLang="ja-JP" sz="2400" baseline="30000" dirty="0" smtClean="0"/>
+              <a:t>T</a:t>
+            </a:r>
+            <a:r>
+              <a:rPr lang="en-US" altLang="ja-JP" sz="2400" dirty="0" smtClean="0"/>
+              <a:t>W</a:t>
+            </a:r>
+            <a:r>
+              <a:rPr lang="en-US" altLang="ja-JP" sz="2400" baseline="-25000" dirty="0" smtClean="0"/>
+              <a:t>2</a:t>
+            </a:r>
+            <a:r>
+              <a:rPr lang="en-US" altLang="ja-JP" sz="2400" baseline="30000" dirty="0" smtClean="0"/>
+              <a:t>T</a:t>
+            </a:r>
+            <a:r>
+              <a:rPr lang="en-US" altLang="ja-JP" sz="2400" dirty="0" smtClean="0"/>
+              <a:t>…W</a:t>
+            </a:r>
+            <a:r>
+              <a:rPr lang="en-US" altLang="ja-JP" sz="2400" baseline="-25000" dirty="0" smtClean="0"/>
+              <a:t>k-1</a:t>
+            </a:r>
+            <a:r>
+              <a:rPr lang="en-US" altLang="ja-JP" sz="2400" baseline="30000" dirty="0" smtClean="0"/>
+              <a:t>T</a:t>
+            </a:r>
+            <a:endParaRPr lang="ja-JP" altLang="en-US" sz="2400" baseline="30000" dirty="0"/>
+          </a:p>
+        </p:txBody>
+      </p:sp>
+    </p:spTree>
+    <p:extLst>
+      <p:ext uri="{BB962C8B-B14F-4D97-AF65-F5344CB8AC3E}">
+        <p14:creationId xmlns:p14="http://schemas.microsoft.com/office/powerpoint/2010/main" val="2195573074"/>
+      </p:ext>
+    </p:extLst>
+  </p:cSld>
+  <p:clrMapOvr>
+    <a:masterClrMapping/>
+  </p:clrMapOvr>
+</p:sld>
+</file>
+
+<file path=ppt/slides/slide5.xml><?xml version="1.0" encoding="utf-8"?>
+<p:sld xmlns:a="http://schemas.openxmlformats.org/drawingml/2006/main" xmlns:r="http://schemas.openxmlformats.org/officeDocument/2006/relationships" xmlns:p="http://schemas.openxmlformats.org/presentationml/2006/main">
+  <p:cSld>
+    <p:spTree>
+      <p:nvGrpSpPr>
+        <p:cNvPr id="1" name=""/>
+        <p:cNvGrpSpPr/>
+        <p:nvPr/>
+      </p:nvGrpSpPr>
+      <p:grpSpPr>
+        <a:xfrm>
+          <a:off x="0" y="0"/>
+          <a:ext cx="0" cy="0"/>
+          <a:chOff x="0" y="0"/>
+          <a:chExt cx="0" cy="0"/>
+        </a:xfrm>
+      </p:grpSpPr>
+      <p:pic>
+        <p:nvPicPr>
+          <p:cNvPr id="2" name="図 1"/>
+          <p:cNvPicPr>
+            <a:picLocks noChangeAspect="1"/>
+          </p:cNvPicPr>
+          <p:nvPr/>
+        </p:nvPicPr>
+        <p:blipFill>
+          <a:blip r:embed="rId2">
+            <a:extLst>
+              <a:ext uri="{28A0092B-C50C-407E-A947-70E740481C1C}">
+                <a14:useLocalDpi xmlns:a14="http://schemas.microsoft.com/office/drawing/2010/main" val="0"/>
+              </a:ext>
+            </a:extLst>
+          </a:blip>
+          <a:stretch>
+            <a:fillRect/>
+          </a:stretch>
+        </p:blipFill>
+        <p:spPr>
+          <a:xfrm>
+            <a:off x="381000" y="681446"/>
+            <a:ext cx="4358640" cy="2743200"/>
+          </a:xfrm>
+          <a:prstGeom prst="rect">
+            <a:avLst/>
+          </a:prstGeom>
+        </p:spPr>
+      </p:pic>
+      <p:pic>
+        <p:nvPicPr>
+          <p:cNvPr id="3" name="図 2"/>
+          <p:cNvPicPr>
+            <a:picLocks noChangeAspect="1"/>
+          </p:cNvPicPr>
+          <p:nvPr/>
+        </p:nvPicPr>
+        <p:blipFill>
+          <a:blip r:embed="rId3">
+            <a:extLst>
+              <a:ext uri="{28A0092B-C50C-407E-A947-70E740481C1C}">
+                <a14:useLocalDpi xmlns:a14="http://schemas.microsoft.com/office/drawing/2010/main" val="0"/>
+              </a:ext>
+            </a:extLst>
+          </a:blip>
+          <a:stretch>
+            <a:fillRect/>
+          </a:stretch>
+        </p:blipFill>
+        <p:spPr>
+          <a:xfrm>
+            <a:off x="433676" y="3675017"/>
+            <a:ext cx="11452552" cy="3118493"/>
+          </a:xfrm>
+          <a:prstGeom prst="rect">
+            <a:avLst/>
+          </a:prstGeom>
+        </p:spPr>
+      </p:pic>
+      <p:pic>
+        <p:nvPicPr>
+          <p:cNvPr id="4" name="図 3"/>
+          <p:cNvPicPr>
+            <a:picLocks noChangeAspect="1"/>
+          </p:cNvPicPr>
+          <p:nvPr/>
+        </p:nvPicPr>
+        <p:blipFill>
+          <a:blip r:embed="rId4">
+            <a:extLst>
+              <a:ext uri="{28A0092B-C50C-407E-A947-70E740481C1C}">
+                <a14:useLocalDpi xmlns:a14="http://schemas.microsoft.com/office/drawing/2010/main" val="0"/>
+              </a:ext>
+            </a:extLst>
+          </a:blip>
+          <a:stretch>
+            <a:fillRect/>
+          </a:stretch>
+        </p:blipFill>
+        <p:spPr>
+          <a:xfrm>
+            <a:off x="6239692" y="681446"/>
+            <a:ext cx="5856514" cy="2844791"/>
+          </a:xfrm>
+          <a:prstGeom prst="rect">
+            <a:avLst/>
+          </a:prstGeom>
+        </p:spPr>
+      </p:pic>
+      <p:sp>
+        <p:nvSpPr>
+          <p:cNvPr id="5" name="正方形/長方形 4"/>
+          <p:cNvSpPr/>
+          <p:nvPr/>
+        </p:nvSpPr>
+        <p:spPr>
+          <a:xfrm>
+            <a:off x="381000" y="3675017"/>
+            <a:ext cx="420734" cy="515440"/>
+          </a:xfrm>
+          <a:prstGeom prst="rect">
+            <a:avLst/>
+          </a:prstGeom>
+          <a:solidFill>
+            <a:schemeClr val="bg1"/>
+          </a:solidFill>
+          <a:ln>
+            <a:noFill/>
+          </a:ln>
+        </p:spPr>
+        <p:style>
+          <a:lnRef idx="2">
+            <a:schemeClr val="accent1">
+              <a:shade val="50000"/>
+            </a:schemeClr>
+          </a:lnRef>
+          <a:fillRef idx="1">
+            <a:schemeClr val="accent1"/>
+          </a:fillRef>
+          <a:effectRef idx="0">
+            <a:schemeClr val="accent1"/>
+          </a:effectRef>
+          <a:fontRef idx="minor">
+            <a:schemeClr val="lt1"/>
+          </a:fontRef>
+        </p:style>
+        <p:txBody>
+          <a:bodyPr rtlCol="0" anchor="ctr"/>
+          <a:lstStyle/>
+          <a:p>
+            <a:pPr algn="ctr"/>
+            <a:endParaRPr kumimoji="1" lang="ja-JP" altLang="en-US"/>
+          </a:p>
+        </p:txBody>
+      </p:sp>
+      <p:sp>
+        <p:nvSpPr>
+          <p:cNvPr id="6" name="正方形/長方形 5"/>
+          <p:cNvSpPr/>
+          <p:nvPr/>
+        </p:nvSpPr>
+        <p:spPr>
+          <a:xfrm>
+            <a:off x="6159952" y="3577671"/>
+            <a:ext cx="420734" cy="515440"/>
+          </a:xfrm>
+          <a:prstGeom prst="rect">
+            <a:avLst/>
+          </a:prstGeom>
+          <a:solidFill>
+            <a:schemeClr val="bg1"/>
+          </a:solidFill>
+          <a:ln>
+            <a:noFill/>
+          </a:ln>
+        </p:spPr>
+        <p:style>
+          <a:lnRef idx="2">
+            <a:schemeClr val="accent1">
+              <a:shade val="50000"/>
+            </a:schemeClr>
+          </a:lnRef>
+          <a:fillRef idx="1">
+            <a:schemeClr val="accent1"/>
+          </a:fillRef>
+          <a:effectRef idx="0">
+            <a:schemeClr val="accent1"/>
+          </a:effectRef>
+          <a:fontRef idx="minor">
+            <a:schemeClr val="lt1"/>
+          </a:fontRef>
+        </p:style>
+        <p:txBody>
+          <a:bodyPr rtlCol="0" anchor="ctr"/>
+          <a:lstStyle/>
+          <a:p>
+            <a:pPr algn="ctr"/>
+            <a:endParaRPr kumimoji="1" lang="ja-JP" altLang="en-US"/>
+          </a:p>
+        </p:txBody>
+      </p:sp>
+      <p:sp>
+        <p:nvSpPr>
+          <p:cNvPr id="7" name="テキスト ボックス 6"/>
+          <p:cNvSpPr txBox="1"/>
+          <p:nvPr/>
+        </p:nvSpPr>
+        <p:spPr>
+          <a:xfrm>
+            <a:off x="0" y="53058"/>
+            <a:ext cx="646331" cy="369332"/>
+          </a:xfrm>
+          <a:prstGeom prst="rect">
+            <a:avLst/>
+          </a:prstGeom>
+          <a:noFill/>
+        </p:spPr>
+        <p:txBody>
+          <a:bodyPr wrap="none" rtlCol="0">
+            <a:spAutoFit/>
+          </a:bodyPr>
+          <a:lstStyle/>
+          <a:p>
+            <a:r>
+              <a:rPr kumimoji="1" lang="ja-JP" altLang="en-US" dirty="0" smtClean="0"/>
+              <a:t>図１</a:t>
+            </a:r>
+            <a:endParaRPr kumimoji="1" lang="ja-JP" altLang="en-US" dirty="0"/>
+          </a:p>
+        </p:txBody>
+      </p:sp>
+      <p:sp>
+        <p:nvSpPr>
+          <p:cNvPr id="8" name="テキスト ボックス 7"/>
+          <p:cNvSpPr txBox="1"/>
+          <p:nvPr/>
+        </p:nvSpPr>
+        <p:spPr>
+          <a:xfrm>
+            <a:off x="106503" y="386504"/>
+            <a:ext cx="654346" cy="369332"/>
+          </a:xfrm>
+          <a:prstGeom prst="rect">
+            <a:avLst/>
+          </a:prstGeom>
+          <a:noFill/>
+        </p:spPr>
+        <p:txBody>
+          <a:bodyPr wrap="none" rtlCol="0">
+            <a:spAutoFit/>
+          </a:bodyPr>
+          <a:lstStyle/>
+          <a:p>
+            <a:r>
+              <a:rPr kumimoji="1" lang="ja-JP" altLang="en-US" dirty="0" smtClean="0"/>
+              <a:t>（</a:t>
+            </a:r>
+            <a:r>
+              <a:rPr kumimoji="1" lang="en-US" altLang="ja-JP" dirty="0" smtClean="0"/>
+              <a:t>A)</a:t>
+            </a:r>
+            <a:endParaRPr kumimoji="1" lang="ja-JP" altLang="en-US" dirty="0"/>
+          </a:p>
+        </p:txBody>
+      </p:sp>
+      <p:sp>
+        <p:nvSpPr>
+          <p:cNvPr id="9" name="テキスト ボックス 8"/>
+          <p:cNvSpPr txBox="1"/>
+          <p:nvPr/>
+        </p:nvSpPr>
+        <p:spPr>
+          <a:xfrm>
+            <a:off x="5828771" y="422390"/>
+            <a:ext cx="891591" cy="369332"/>
+          </a:xfrm>
+          <a:prstGeom prst="rect">
+            <a:avLst/>
+          </a:prstGeom>
+          <a:noFill/>
+        </p:spPr>
+        <p:txBody>
+          <a:bodyPr wrap="none" rtlCol="0">
+            <a:spAutoFit/>
+          </a:bodyPr>
+          <a:lstStyle/>
+          <a:p>
+            <a:r>
+              <a:rPr kumimoji="1" lang="ja-JP" altLang="en-US" dirty="0" smtClean="0"/>
+              <a:t>（</a:t>
+            </a:r>
+            <a:r>
+              <a:rPr lang="en-US" altLang="ja-JP" dirty="0" smtClean="0"/>
+              <a:t>B-1</a:t>
+            </a:r>
+            <a:r>
+              <a:rPr kumimoji="1" lang="en-US" altLang="ja-JP" dirty="0" smtClean="0"/>
+              <a:t>)</a:t>
+            </a:r>
+            <a:endParaRPr kumimoji="1" lang="ja-JP" altLang="en-US" dirty="0"/>
+          </a:p>
+        </p:txBody>
+      </p:sp>
+      <p:sp>
+        <p:nvSpPr>
+          <p:cNvPr id="10" name="テキスト ボックス 9"/>
+          <p:cNvSpPr txBox="1"/>
+          <p:nvPr/>
+        </p:nvSpPr>
+        <p:spPr>
+          <a:xfrm>
+            <a:off x="126161" y="3625935"/>
+            <a:ext cx="891591" cy="369332"/>
+          </a:xfrm>
+          <a:prstGeom prst="rect">
+            <a:avLst/>
+          </a:prstGeom>
+          <a:noFill/>
+        </p:spPr>
+        <p:txBody>
+          <a:bodyPr wrap="none" rtlCol="0">
+            <a:spAutoFit/>
+          </a:bodyPr>
+          <a:lstStyle/>
+          <a:p>
+            <a:r>
+              <a:rPr kumimoji="1" lang="ja-JP" altLang="en-US" dirty="0" smtClean="0"/>
+              <a:t>（</a:t>
+            </a:r>
+            <a:r>
+              <a:rPr lang="en-US" altLang="ja-JP" dirty="0" smtClean="0"/>
+              <a:t>C-1</a:t>
+            </a:r>
+            <a:r>
+              <a:rPr kumimoji="1" lang="en-US" altLang="ja-JP" dirty="0" smtClean="0"/>
+              <a:t>)</a:t>
+            </a:r>
+            <a:endParaRPr kumimoji="1" lang="ja-JP" altLang="en-US" dirty="0"/>
+          </a:p>
+        </p:txBody>
+      </p:sp>
+      <p:sp>
+        <p:nvSpPr>
+          <p:cNvPr id="11" name="テキスト ボックス 10"/>
+          <p:cNvSpPr txBox="1"/>
+          <p:nvPr/>
+        </p:nvSpPr>
+        <p:spPr>
+          <a:xfrm>
+            <a:off x="5898185" y="3706098"/>
+            <a:ext cx="891591" cy="369332"/>
+          </a:xfrm>
+          <a:prstGeom prst="rect">
+            <a:avLst/>
+          </a:prstGeom>
+          <a:noFill/>
+        </p:spPr>
+        <p:txBody>
+          <a:bodyPr wrap="none" rtlCol="0">
+            <a:spAutoFit/>
+          </a:bodyPr>
+          <a:lstStyle/>
+          <a:p>
+            <a:r>
+              <a:rPr kumimoji="1" lang="ja-JP" altLang="en-US" dirty="0" smtClean="0"/>
+              <a:t>（</a:t>
+            </a:r>
+            <a:r>
+              <a:rPr lang="en-US" altLang="ja-JP" dirty="0" smtClean="0"/>
+              <a:t>C-1</a:t>
+            </a:r>
+            <a:r>
+              <a:rPr kumimoji="1" lang="en-US" altLang="ja-JP" dirty="0" smtClean="0"/>
+              <a:t>)</a:t>
+            </a:r>
+            <a:endParaRPr kumimoji="1" lang="ja-JP" altLang="en-US" dirty="0"/>
+          </a:p>
+        </p:txBody>
+      </p:sp>
+      <p:sp>
+        <p:nvSpPr>
+          <p:cNvPr id="12" name="テキスト ボックス 11"/>
+          <p:cNvSpPr txBox="1"/>
+          <p:nvPr/>
+        </p:nvSpPr>
+        <p:spPr>
+          <a:xfrm>
+            <a:off x="9226254" y="386504"/>
+            <a:ext cx="891591" cy="369332"/>
+          </a:xfrm>
+          <a:prstGeom prst="rect">
+            <a:avLst/>
+          </a:prstGeom>
+          <a:noFill/>
+        </p:spPr>
+        <p:txBody>
+          <a:bodyPr wrap="none" rtlCol="0">
+            <a:spAutoFit/>
+          </a:bodyPr>
+          <a:lstStyle/>
+          <a:p>
+            <a:r>
+              <a:rPr kumimoji="1" lang="ja-JP" altLang="en-US" dirty="0" smtClean="0"/>
+              <a:t>（</a:t>
+            </a:r>
+            <a:r>
+              <a:rPr lang="en-US" altLang="ja-JP" dirty="0" smtClean="0"/>
+              <a:t>B-2</a:t>
+            </a:r>
+            <a:r>
+              <a:rPr kumimoji="1" lang="en-US" altLang="ja-JP" dirty="0" smtClean="0"/>
+              <a:t>)</a:t>
+            </a:r>
+            <a:endParaRPr kumimoji="1" lang="ja-JP" altLang="en-US" dirty="0"/>
+          </a:p>
+        </p:txBody>
+      </p:sp>
+    </p:spTree>
+    <p:extLst>
+      <p:ext uri="{BB962C8B-B14F-4D97-AF65-F5344CB8AC3E}">
+        <p14:creationId xmlns:p14="http://schemas.microsoft.com/office/powerpoint/2010/main" val="4080703417"/>
+      </p:ext>
+    </p:extLst>
+  </p:cSld>
+  <p:clrMapOvr>
+    <a:masterClrMapping/>
+  </p:clrMapOvr>
+</p:sld>
+</file>
+
 <file path=ppt/theme/theme1.xml><?xml version="1.0" encoding="utf-8"?>
 <a:theme xmlns:a="http://schemas.openxmlformats.org/drawingml/2006/main" name="Office テーマ">
   <a:themeElements>

--- a/基盤C_2021夏/mutation1.pptx
+++ b/基盤C_2021夏/mutation1.pptx
@@ -247,7 +247,7 @@
           <a:p>
             <a:fld id="{464BBD34-345B-4A5B-9A1E-475BAD11D6EB}" type="datetimeFigureOut">
               <a:rPr kumimoji="1" lang="ja-JP" altLang="en-US" smtClean="0"/>
-              <a:t>2021/8/8</a:t>
+              <a:t>2021/8/19</a:t>
             </a:fld>
             <a:endParaRPr kumimoji="1" lang="ja-JP" altLang="en-US"/>
           </a:p>
@@ -449,7 +449,7 @@
           <a:p>
             <a:fld id="{464BBD34-345B-4A5B-9A1E-475BAD11D6EB}" type="datetimeFigureOut">
               <a:rPr kumimoji="1" lang="ja-JP" altLang="en-US" smtClean="0"/>
-              <a:t>2021/8/8</a:t>
+              <a:t>2021/8/19</a:t>
             </a:fld>
             <a:endParaRPr kumimoji="1" lang="ja-JP" altLang="en-US"/>
           </a:p>
@@ -661,7 +661,7 @@
           <a:p>
             <a:fld id="{464BBD34-345B-4A5B-9A1E-475BAD11D6EB}" type="datetimeFigureOut">
               <a:rPr kumimoji="1" lang="ja-JP" altLang="en-US" smtClean="0"/>
-              <a:t>2021/8/8</a:t>
+              <a:t>2021/8/19</a:t>
             </a:fld>
             <a:endParaRPr kumimoji="1" lang="ja-JP" altLang="en-US"/>
           </a:p>
@@ -863,7 +863,7 @@
           <a:p>
             <a:fld id="{464BBD34-345B-4A5B-9A1E-475BAD11D6EB}" type="datetimeFigureOut">
               <a:rPr kumimoji="1" lang="ja-JP" altLang="en-US" smtClean="0"/>
-              <a:t>2021/8/8</a:t>
+              <a:t>2021/8/19</a:t>
             </a:fld>
             <a:endParaRPr kumimoji="1" lang="ja-JP" altLang="en-US"/>
           </a:p>
@@ -1109,7 +1109,7 @@
           <a:p>
             <a:fld id="{464BBD34-345B-4A5B-9A1E-475BAD11D6EB}" type="datetimeFigureOut">
               <a:rPr kumimoji="1" lang="ja-JP" altLang="en-US" smtClean="0"/>
-              <a:t>2021/8/8</a:t>
+              <a:t>2021/8/19</a:t>
             </a:fld>
             <a:endParaRPr kumimoji="1" lang="ja-JP" altLang="en-US"/>
           </a:p>
@@ -1405,7 +1405,7 @@
           <a:p>
             <a:fld id="{464BBD34-345B-4A5B-9A1E-475BAD11D6EB}" type="datetimeFigureOut">
               <a:rPr kumimoji="1" lang="ja-JP" altLang="en-US" smtClean="0"/>
-              <a:t>2021/8/8</a:t>
+              <a:t>2021/8/19</a:t>
             </a:fld>
             <a:endParaRPr kumimoji="1" lang="ja-JP" altLang="en-US"/>
           </a:p>
@@ -1836,7 +1836,7 @@
           <a:p>
             <a:fld id="{464BBD34-345B-4A5B-9A1E-475BAD11D6EB}" type="datetimeFigureOut">
               <a:rPr kumimoji="1" lang="ja-JP" altLang="en-US" smtClean="0"/>
-              <a:t>2021/8/8</a:t>
+              <a:t>2021/8/19</a:t>
             </a:fld>
             <a:endParaRPr kumimoji="1" lang="ja-JP" altLang="en-US"/>
           </a:p>
@@ -1954,7 +1954,7 @@
           <a:p>
             <a:fld id="{464BBD34-345B-4A5B-9A1E-475BAD11D6EB}" type="datetimeFigureOut">
               <a:rPr kumimoji="1" lang="ja-JP" altLang="en-US" smtClean="0"/>
-              <a:t>2021/8/8</a:t>
+              <a:t>2021/8/19</a:t>
             </a:fld>
             <a:endParaRPr kumimoji="1" lang="ja-JP" altLang="en-US"/>
           </a:p>
@@ -2049,7 +2049,7 @@
           <a:p>
             <a:fld id="{464BBD34-345B-4A5B-9A1E-475BAD11D6EB}" type="datetimeFigureOut">
               <a:rPr kumimoji="1" lang="ja-JP" altLang="en-US" smtClean="0"/>
-              <a:t>2021/8/8</a:t>
+              <a:t>2021/8/19</a:t>
             </a:fld>
             <a:endParaRPr kumimoji="1" lang="ja-JP" altLang="en-US"/>
           </a:p>
@@ -2358,7 +2358,7 @@
           <a:p>
             <a:fld id="{464BBD34-345B-4A5B-9A1E-475BAD11D6EB}" type="datetimeFigureOut">
               <a:rPr kumimoji="1" lang="ja-JP" altLang="en-US" smtClean="0"/>
-              <a:t>2021/8/8</a:t>
+              <a:t>2021/8/19</a:t>
             </a:fld>
             <a:endParaRPr kumimoji="1" lang="ja-JP" altLang="en-US"/>
           </a:p>
@@ -2611,7 +2611,7 @@
           <a:p>
             <a:fld id="{464BBD34-345B-4A5B-9A1E-475BAD11D6EB}" type="datetimeFigureOut">
               <a:rPr kumimoji="1" lang="ja-JP" altLang="en-US" smtClean="0"/>
-              <a:t>2021/8/8</a:t>
+              <a:t>2021/8/19</a:t>
             </a:fld>
             <a:endParaRPr kumimoji="1" lang="ja-JP" altLang="en-US"/>
           </a:p>
@@ -2856,7 +2856,7 @@
           <a:p>
             <a:fld id="{464BBD34-345B-4A5B-9A1E-475BAD11D6EB}" type="datetimeFigureOut">
               <a:rPr kumimoji="1" lang="ja-JP" altLang="en-US" smtClean="0"/>
-              <a:t>2021/8/8</a:t>
+              <a:t>2021/8/19</a:t>
             </a:fld>
             <a:endParaRPr kumimoji="1" lang="ja-JP" altLang="en-US"/>
           </a:p>
@@ -8684,11 +8684,7 @@
               </a:r>
               <a:r>
                 <a:rPr kumimoji="1" lang="en-US" altLang="ja-JP" sz="3200" dirty="0" smtClean="0"/>
-                <a:t>  </a:t>
-              </a:r>
-              <a:r>
-                <a:rPr kumimoji="1" lang="en-US" altLang="ja-JP" sz="3200" dirty="0" smtClean="0"/>
-                <a:t>0  1  0</a:t>
+                <a:t>  0  1  0</a:t>
               </a:r>
               <a:endParaRPr kumimoji="1" lang="ja-JP" altLang="en-US" sz="3200" dirty="0"/>
             </a:p>
@@ -8730,11 +8726,7 @@
               </a:r>
               <a:r>
                 <a:rPr kumimoji="1" lang="en-US" altLang="ja-JP" sz="3200" dirty="0" smtClean="0"/>
-                <a:t>  </a:t>
-              </a:r>
-              <a:r>
-                <a:rPr kumimoji="1" lang="en-US" altLang="ja-JP" sz="3200" dirty="0" smtClean="0"/>
-                <a:t>0  1 </a:t>
+                <a:t>  0  1 </a:t>
               </a:r>
               <a:endParaRPr kumimoji="1" lang="ja-JP" altLang="en-US" sz="3200" dirty="0"/>
             </a:p>
@@ -8768,15 +8760,7 @@
               </a:r>
               <a:r>
                 <a:rPr lang="en-US" altLang="ja-JP" sz="3200" dirty="0" smtClean="0"/>
-                <a:t>0 </a:t>
-              </a:r>
-              <a:r>
-                <a:rPr lang="en-US" altLang="ja-JP" sz="3200" dirty="0" smtClean="0"/>
-                <a:t> 0  </a:t>
-              </a:r>
-              <a:r>
-                <a:rPr lang="en-US" altLang="ja-JP" sz="3200" dirty="0" smtClean="0"/>
-                <a:t>0</a:t>
+                <a:t>0  0  0</a:t>
               </a:r>
               <a:endParaRPr lang="ja-JP" altLang="en-US" sz="3200" dirty="0"/>
             </a:p>
@@ -11284,6 +11268,42 @@
           </a:p>
         </p:txBody>
       </p:sp>
+      <p:sp>
+        <p:nvSpPr>
+          <p:cNvPr id="71" name="テキスト ボックス 70"/>
+          <p:cNvSpPr txBox="1"/>
+          <p:nvPr/>
+        </p:nvSpPr>
+        <p:spPr>
+          <a:xfrm>
+            <a:off x="136087" y="214844"/>
+            <a:ext cx="744114" cy="523220"/>
+          </a:xfrm>
+          <a:prstGeom prst="rect">
+            <a:avLst/>
+          </a:prstGeom>
+          <a:solidFill>
+            <a:schemeClr val="bg1"/>
+          </a:solidFill>
+        </p:spPr>
+        <p:txBody>
+          <a:bodyPr wrap="none" rtlCol="0">
+            <a:spAutoFit/>
+          </a:bodyPr>
+          <a:lstStyle/>
+          <a:p>
+            <a:r>
+              <a:rPr kumimoji="1" lang="ja-JP" altLang="en-US" sz="2800" dirty="0" smtClean="0"/>
+              <a:t>図</a:t>
+            </a:r>
+            <a:r>
+              <a:rPr kumimoji="1" lang="en-US" altLang="ja-JP" sz="2800" dirty="0" smtClean="0"/>
+              <a:t>4</a:t>
+            </a:r>
+            <a:endParaRPr kumimoji="1" lang="ja-JP" altLang="en-US" sz="2800" dirty="0"/>
+          </a:p>
+        </p:txBody>
+      </p:sp>
     </p:spTree>
     <p:extLst>
       <p:ext uri="{BB962C8B-B14F-4D97-AF65-F5344CB8AC3E}">
@@ -11504,8 +11524,8 @@
         </p:nvSpPr>
         <p:spPr>
           <a:xfrm>
-            <a:off x="0" y="53058"/>
-            <a:ext cx="646331" cy="369332"/>
+            <a:off x="0" y="55369"/>
+            <a:ext cx="902811" cy="523220"/>
           </a:xfrm>
           <a:prstGeom prst="rect">
             <a:avLst/>
@@ -11519,10 +11539,10 @@
           <a:lstStyle/>
           <a:p>
             <a:r>
-              <a:rPr kumimoji="1" lang="ja-JP" altLang="en-US" dirty="0" smtClean="0"/>
+              <a:rPr kumimoji="1" lang="ja-JP" altLang="en-US" sz="2800" dirty="0" smtClean="0"/>
               <a:t>図１</a:t>
             </a:r>
-            <a:endParaRPr kumimoji="1" lang="ja-JP" altLang="en-US" dirty="0"/>
+            <a:endParaRPr kumimoji="1" lang="ja-JP" altLang="en-US" sz="2800" dirty="0"/>
           </a:p>
         </p:txBody>
       </p:sp>
@@ -11534,8 +11554,8 @@
         </p:nvSpPr>
         <p:spPr>
           <a:xfrm>
-            <a:off x="106503" y="386504"/>
-            <a:ext cx="654346" cy="369332"/>
+            <a:off x="-191701" y="536277"/>
+            <a:ext cx="811441" cy="461665"/>
           </a:xfrm>
           <a:prstGeom prst="rect">
             <a:avLst/>
@@ -11549,14 +11569,14 @@
           <a:lstStyle/>
           <a:p>
             <a:r>
-              <a:rPr kumimoji="1" lang="ja-JP" altLang="en-US" dirty="0" smtClean="0"/>
+              <a:rPr kumimoji="1" lang="ja-JP" altLang="en-US" sz="2400" dirty="0" smtClean="0"/>
               <a:t>（</a:t>
             </a:r>
             <a:r>
-              <a:rPr kumimoji="1" lang="en-US" altLang="ja-JP" dirty="0" smtClean="0"/>
+              <a:rPr kumimoji="1" lang="en-US" altLang="ja-JP" sz="2400" dirty="0" smtClean="0"/>
               <a:t>A)</a:t>
             </a:r>
-            <a:endParaRPr kumimoji="1" lang="ja-JP" altLang="en-US" dirty="0"/>
+            <a:endParaRPr kumimoji="1" lang="ja-JP" altLang="en-US" sz="2400" dirty="0"/>
           </a:p>
         </p:txBody>
       </p:sp>
@@ -11569,7 +11589,7 @@
         <p:spPr>
           <a:xfrm>
             <a:off x="5828771" y="422390"/>
-            <a:ext cx="891591" cy="369332"/>
+            <a:ext cx="1125629" cy="461665"/>
           </a:xfrm>
           <a:prstGeom prst="rect">
             <a:avLst/>
@@ -11583,18 +11603,18 @@
           <a:lstStyle/>
           <a:p>
             <a:r>
-              <a:rPr kumimoji="1" lang="ja-JP" altLang="en-US" dirty="0" smtClean="0"/>
+              <a:rPr kumimoji="1" lang="ja-JP" altLang="en-US" sz="2400" dirty="0" smtClean="0"/>
               <a:t>（</a:t>
             </a:r>
             <a:r>
-              <a:rPr lang="en-US" altLang="ja-JP" dirty="0" smtClean="0"/>
+              <a:rPr lang="en-US" altLang="ja-JP" sz="2400" dirty="0" smtClean="0"/>
               <a:t>B-1</a:t>
             </a:r>
             <a:r>
-              <a:rPr kumimoji="1" lang="en-US" altLang="ja-JP" dirty="0" smtClean="0"/>
+              <a:rPr kumimoji="1" lang="en-US" altLang="ja-JP" sz="2400" dirty="0" smtClean="0"/>
               <a:t>)</a:t>
             </a:r>
-            <a:endParaRPr kumimoji="1" lang="ja-JP" altLang="en-US" dirty="0"/>
+            <a:endParaRPr kumimoji="1" lang="ja-JP" altLang="en-US" sz="2400" dirty="0"/>
           </a:p>
         </p:txBody>
       </p:sp>
@@ -11607,7 +11627,7 @@
         <p:spPr>
           <a:xfrm>
             <a:off x="126161" y="3625935"/>
-            <a:ext cx="891591" cy="369332"/>
+            <a:ext cx="1127232" cy="461665"/>
           </a:xfrm>
           <a:prstGeom prst="rect">
             <a:avLst/>
@@ -11621,18 +11641,18 @@
           <a:lstStyle/>
           <a:p>
             <a:r>
-              <a:rPr kumimoji="1" lang="ja-JP" altLang="en-US" dirty="0" smtClean="0"/>
+              <a:rPr kumimoji="1" lang="ja-JP" altLang="en-US" sz="2400" dirty="0" smtClean="0"/>
               <a:t>（</a:t>
             </a:r>
             <a:r>
-              <a:rPr lang="en-US" altLang="ja-JP" dirty="0" smtClean="0"/>
+              <a:rPr lang="en-US" altLang="ja-JP" sz="2400" dirty="0" smtClean="0"/>
               <a:t>C-1</a:t>
             </a:r>
             <a:r>
-              <a:rPr kumimoji="1" lang="en-US" altLang="ja-JP" dirty="0" smtClean="0"/>
+              <a:rPr kumimoji="1" lang="en-US" altLang="ja-JP" sz="2400" dirty="0" smtClean="0"/>
               <a:t>)</a:t>
             </a:r>
-            <a:endParaRPr kumimoji="1" lang="ja-JP" altLang="en-US" dirty="0"/>
+            <a:endParaRPr kumimoji="1" lang="ja-JP" altLang="en-US" sz="2400" dirty="0"/>
           </a:p>
         </p:txBody>
       </p:sp>
@@ -11645,7 +11665,7 @@
         <p:spPr>
           <a:xfrm>
             <a:off x="5898185" y="3706098"/>
-            <a:ext cx="891591" cy="369332"/>
+            <a:ext cx="1127232" cy="461665"/>
           </a:xfrm>
           <a:prstGeom prst="rect">
             <a:avLst/>
@@ -11659,18 +11679,18 @@
           <a:lstStyle/>
           <a:p>
             <a:r>
-              <a:rPr kumimoji="1" lang="ja-JP" altLang="en-US" dirty="0" smtClean="0"/>
+              <a:rPr kumimoji="1" lang="ja-JP" altLang="en-US" sz="2400" dirty="0" smtClean="0"/>
               <a:t>（</a:t>
             </a:r>
             <a:r>
-              <a:rPr lang="en-US" altLang="ja-JP" dirty="0" smtClean="0"/>
+              <a:rPr lang="en-US" altLang="ja-JP" sz="2400" dirty="0" smtClean="0"/>
               <a:t>C-1</a:t>
             </a:r>
             <a:r>
-              <a:rPr kumimoji="1" lang="en-US" altLang="ja-JP" dirty="0" smtClean="0"/>
+              <a:rPr kumimoji="1" lang="en-US" altLang="ja-JP" sz="2400" dirty="0" smtClean="0"/>
               <a:t>)</a:t>
             </a:r>
-            <a:endParaRPr kumimoji="1" lang="ja-JP" altLang="en-US" dirty="0"/>
+            <a:endParaRPr kumimoji="1" lang="ja-JP" altLang="en-US" sz="2400" dirty="0"/>
           </a:p>
         </p:txBody>
       </p:sp>
@@ -11683,7 +11703,7 @@
         <p:spPr>
           <a:xfrm>
             <a:off x="9226254" y="386504"/>
-            <a:ext cx="891591" cy="369332"/>
+            <a:ext cx="1125629" cy="461665"/>
           </a:xfrm>
           <a:prstGeom prst="rect">
             <a:avLst/>
@@ -11697,18 +11717,18 @@
           <a:lstStyle/>
           <a:p>
             <a:r>
-              <a:rPr kumimoji="1" lang="ja-JP" altLang="en-US" dirty="0" smtClean="0"/>
+              <a:rPr kumimoji="1" lang="ja-JP" altLang="en-US" sz="2400" dirty="0" smtClean="0"/>
               <a:t>（</a:t>
             </a:r>
             <a:r>
-              <a:rPr lang="en-US" altLang="ja-JP" dirty="0" smtClean="0"/>
+              <a:rPr lang="en-US" altLang="ja-JP" sz="2400" dirty="0" smtClean="0"/>
               <a:t>B-2</a:t>
             </a:r>
             <a:r>
-              <a:rPr kumimoji="1" lang="en-US" altLang="ja-JP" dirty="0" smtClean="0"/>
+              <a:rPr kumimoji="1" lang="en-US" altLang="ja-JP" sz="2400" dirty="0" smtClean="0"/>
               <a:t>)</a:t>
             </a:r>
-            <a:endParaRPr kumimoji="1" lang="ja-JP" altLang="en-US" dirty="0"/>
+            <a:endParaRPr kumimoji="1" lang="ja-JP" altLang="en-US" sz="2400" dirty="0"/>
           </a:p>
         </p:txBody>
       </p:sp>

--- a/基盤C_2021夏/mutation1.pptx
+++ b/基盤C_2021夏/mutation1.pptx
@@ -247,7 +247,7 @@
           <a:p>
             <a:fld id="{464BBD34-345B-4A5B-9A1E-475BAD11D6EB}" type="datetimeFigureOut">
               <a:rPr kumimoji="1" lang="ja-JP" altLang="en-US" smtClean="0"/>
-              <a:t>2021/8/19</a:t>
+              <a:t>2021/9/22</a:t>
             </a:fld>
             <a:endParaRPr kumimoji="1" lang="ja-JP" altLang="en-US"/>
           </a:p>
@@ -449,7 +449,7 @@
           <a:p>
             <a:fld id="{464BBD34-345B-4A5B-9A1E-475BAD11D6EB}" type="datetimeFigureOut">
               <a:rPr kumimoji="1" lang="ja-JP" altLang="en-US" smtClean="0"/>
-              <a:t>2021/8/19</a:t>
+              <a:t>2021/9/22</a:t>
             </a:fld>
             <a:endParaRPr kumimoji="1" lang="ja-JP" altLang="en-US"/>
           </a:p>
@@ -661,7 +661,7 @@
           <a:p>
             <a:fld id="{464BBD34-345B-4A5B-9A1E-475BAD11D6EB}" type="datetimeFigureOut">
               <a:rPr kumimoji="1" lang="ja-JP" altLang="en-US" smtClean="0"/>
-              <a:t>2021/8/19</a:t>
+              <a:t>2021/9/22</a:t>
             </a:fld>
             <a:endParaRPr kumimoji="1" lang="ja-JP" altLang="en-US"/>
           </a:p>
@@ -863,7 +863,7 @@
           <a:p>
             <a:fld id="{464BBD34-345B-4A5B-9A1E-475BAD11D6EB}" type="datetimeFigureOut">
               <a:rPr kumimoji="1" lang="ja-JP" altLang="en-US" smtClean="0"/>
-              <a:t>2021/8/19</a:t>
+              <a:t>2021/9/22</a:t>
             </a:fld>
             <a:endParaRPr kumimoji="1" lang="ja-JP" altLang="en-US"/>
           </a:p>
@@ -1109,7 +1109,7 @@
           <a:p>
             <a:fld id="{464BBD34-345B-4A5B-9A1E-475BAD11D6EB}" type="datetimeFigureOut">
               <a:rPr kumimoji="1" lang="ja-JP" altLang="en-US" smtClean="0"/>
-              <a:t>2021/8/19</a:t>
+              <a:t>2021/9/22</a:t>
             </a:fld>
             <a:endParaRPr kumimoji="1" lang="ja-JP" altLang="en-US"/>
           </a:p>
@@ -1405,7 +1405,7 @@
           <a:p>
             <a:fld id="{464BBD34-345B-4A5B-9A1E-475BAD11D6EB}" type="datetimeFigureOut">
               <a:rPr kumimoji="1" lang="ja-JP" altLang="en-US" smtClean="0"/>
-              <a:t>2021/8/19</a:t>
+              <a:t>2021/9/22</a:t>
             </a:fld>
             <a:endParaRPr kumimoji="1" lang="ja-JP" altLang="en-US"/>
           </a:p>
@@ -1836,7 +1836,7 @@
           <a:p>
             <a:fld id="{464BBD34-345B-4A5B-9A1E-475BAD11D6EB}" type="datetimeFigureOut">
               <a:rPr kumimoji="1" lang="ja-JP" altLang="en-US" smtClean="0"/>
-              <a:t>2021/8/19</a:t>
+              <a:t>2021/9/22</a:t>
             </a:fld>
             <a:endParaRPr kumimoji="1" lang="ja-JP" altLang="en-US"/>
           </a:p>
@@ -1954,7 +1954,7 @@
           <a:p>
             <a:fld id="{464BBD34-345B-4A5B-9A1E-475BAD11D6EB}" type="datetimeFigureOut">
               <a:rPr kumimoji="1" lang="ja-JP" altLang="en-US" smtClean="0"/>
-              <a:t>2021/8/19</a:t>
+              <a:t>2021/9/22</a:t>
             </a:fld>
             <a:endParaRPr kumimoji="1" lang="ja-JP" altLang="en-US"/>
           </a:p>
@@ -2049,7 +2049,7 @@
           <a:p>
             <a:fld id="{464BBD34-345B-4A5B-9A1E-475BAD11D6EB}" type="datetimeFigureOut">
               <a:rPr kumimoji="1" lang="ja-JP" altLang="en-US" smtClean="0"/>
-              <a:t>2021/8/19</a:t>
+              <a:t>2021/9/22</a:t>
             </a:fld>
             <a:endParaRPr kumimoji="1" lang="ja-JP" altLang="en-US"/>
           </a:p>
@@ -2358,7 +2358,7 @@
           <a:p>
             <a:fld id="{464BBD34-345B-4A5B-9A1E-475BAD11D6EB}" type="datetimeFigureOut">
               <a:rPr kumimoji="1" lang="ja-JP" altLang="en-US" smtClean="0"/>
-              <a:t>2021/8/19</a:t>
+              <a:t>2021/9/22</a:t>
             </a:fld>
             <a:endParaRPr kumimoji="1" lang="ja-JP" altLang="en-US"/>
           </a:p>
@@ -2611,7 +2611,7 @@
           <a:p>
             <a:fld id="{464BBD34-345B-4A5B-9A1E-475BAD11D6EB}" type="datetimeFigureOut">
               <a:rPr kumimoji="1" lang="ja-JP" altLang="en-US" smtClean="0"/>
-              <a:t>2021/8/19</a:t>
+              <a:t>2021/9/22</a:t>
             </a:fld>
             <a:endParaRPr kumimoji="1" lang="ja-JP" altLang="en-US"/>
           </a:p>
@@ -2856,7 +2856,7 @@
           <a:p>
             <a:fld id="{464BBD34-345B-4A5B-9A1E-475BAD11D6EB}" type="datetimeFigureOut">
               <a:rPr kumimoji="1" lang="ja-JP" altLang="en-US" smtClean="0"/>
-              <a:t>2021/8/19</a:t>
+              <a:t>2021/9/22</a:t>
             </a:fld>
             <a:endParaRPr kumimoji="1" lang="ja-JP" altLang="en-US"/>
           </a:p>
@@ -11683,11 +11683,11 @@
               <a:t>（</a:t>
             </a:r>
             <a:r>
-              <a:rPr lang="en-US" altLang="ja-JP" sz="2400" dirty="0" smtClean="0"/>
-              <a:t>C-1</a:t>
-            </a:r>
-            <a:r>
-              <a:rPr kumimoji="1" lang="en-US" altLang="ja-JP" sz="2400" dirty="0" smtClean="0"/>
+              <a:rPr lang="en-US" altLang="ja-JP" sz="2400" smtClean="0"/>
+              <a:t>C-2</a:t>
+            </a:r>
+            <a:r>
+              <a:rPr kumimoji="1" lang="en-US" altLang="ja-JP" sz="2400" smtClean="0"/>
               <a:t>)</a:t>
             </a:r>
             <a:endParaRPr kumimoji="1" lang="ja-JP" altLang="en-US" sz="2400" dirty="0"/>
